--- a/docs/mean.pptx
+++ b/docs/mean.pptx
@@ -111,7 +111,7 @@
         <p:spPr>
           <a:xfrm>
             <a:off x="388080" y="457920"/>
-            <a:ext cx="8361000" cy="686160"/>
+            <a:ext cx="8360640" cy="686160"/>
           </a:xfrm>
           <a:prstGeom prst="rect">
             <a:avLst/>
@@ -138,7 +138,7 @@
         <p:spPr>
           <a:xfrm>
             <a:off x="388080" y="1489680"/>
-            <a:ext cx="360" cy="1465200"/>
+            <a:ext cx="360" cy="1464840"/>
           </a:xfrm>
           <a:prstGeom prst="rect">
             <a:avLst/>
@@ -163,8 +163,8 @@
         </p:nvSpPr>
         <p:spPr>
           <a:xfrm>
-            <a:off x="388080" y="3094560"/>
-            <a:ext cx="360" cy="1465200"/>
+            <a:off x="388080" y="3094200"/>
+            <a:ext cx="360" cy="1464840"/>
           </a:xfrm>
           <a:prstGeom prst="rect">
             <a:avLst/>
@@ -212,7 +212,7 @@
         <p:spPr>
           <a:xfrm>
             <a:off x="388080" y="457920"/>
-            <a:ext cx="8361000" cy="686160"/>
+            <a:ext cx="8360640" cy="686160"/>
           </a:xfrm>
           <a:prstGeom prst="rect">
             <a:avLst/>
@@ -239,7 +239,7 @@
         <p:spPr>
           <a:xfrm>
             <a:off x="388080" y="1489680"/>
-            <a:ext cx="360" cy="1465200"/>
+            <a:ext cx="360" cy="1464840"/>
           </a:xfrm>
           <a:prstGeom prst="rect">
             <a:avLst/>
@@ -265,7 +265,7 @@
         <p:spPr>
           <a:xfrm>
             <a:off x="388440" y="1489680"/>
-            <a:ext cx="360" cy="1465200"/>
+            <a:ext cx="360" cy="1464840"/>
           </a:xfrm>
           <a:prstGeom prst="rect">
             <a:avLst/>
@@ -290,8 +290,8 @@
         </p:nvSpPr>
         <p:spPr>
           <a:xfrm>
-            <a:off x="388440" y="3094560"/>
-            <a:ext cx="360" cy="1465200"/>
+            <a:off x="388440" y="3094200"/>
+            <a:ext cx="360" cy="1464840"/>
           </a:xfrm>
           <a:prstGeom prst="rect">
             <a:avLst/>
@@ -316,8 +316,8 @@
         </p:nvSpPr>
         <p:spPr>
           <a:xfrm>
-            <a:off x="388080" y="3094560"/>
-            <a:ext cx="360" cy="1465200"/>
+            <a:off x="388080" y="3094200"/>
+            <a:ext cx="360" cy="1464840"/>
           </a:xfrm>
           <a:prstGeom prst="rect">
             <a:avLst/>
@@ -365,7 +365,7 @@
         <p:spPr>
           <a:xfrm>
             <a:off x="388080" y="457920"/>
-            <a:ext cx="8361000" cy="686160"/>
+            <a:ext cx="8360640" cy="686160"/>
           </a:xfrm>
           <a:prstGeom prst="rect">
             <a:avLst/>
@@ -392,7 +392,7 @@
         <p:spPr>
           <a:xfrm>
             <a:off x="388080" y="1489680"/>
-            <a:ext cx="360" cy="3071880"/>
+            <a:ext cx="360" cy="3071520"/>
           </a:xfrm>
           <a:prstGeom prst="rect">
             <a:avLst/>
@@ -418,7 +418,7 @@
         <p:spPr>
           <a:xfrm>
             <a:off x="388080" y="1489680"/>
-            <a:ext cx="360" cy="3071880"/>
+            <a:ext cx="360" cy="3071520"/>
           </a:xfrm>
           <a:prstGeom prst="rect">
             <a:avLst/>
@@ -538,7 +538,7 @@
         <p:spPr>
           <a:xfrm>
             <a:off x="388080" y="457920"/>
-            <a:ext cx="8361000" cy="686160"/>
+            <a:ext cx="8360640" cy="686160"/>
           </a:xfrm>
           <a:prstGeom prst="rect">
             <a:avLst/>
@@ -614,7 +614,7 @@
         <p:spPr>
           <a:xfrm>
             <a:off x="388080" y="457920"/>
-            <a:ext cx="8361000" cy="686160"/>
+            <a:ext cx="8360640" cy="686160"/>
           </a:xfrm>
           <a:prstGeom prst="rect">
             <a:avLst/>
@@ -641,7 +641,7 @@
         <p:spPr>
           <a:xfrm>
             <a:off x="388080" y="1489680"/>
-            <a:ext cx="360" cy="3071880"/>
+            <a:ext cx="360" cy="3071520"/>
           </a:xfrm>
           <a:prstGeom prst="rect">
             <a:avLst/>
@@ -689,7 +689,7 @@
         <p:spPr>
           <a:xfrm>
             <a:off x="388080" y="457920"/>
-            <a:ext cx="8361000" cy="686160"/>
+            <a:ext cx="8360640" cy="686160"/>
           </a:xfrm>
           <a:prstGeom prst="rect">
             <a:avLst/>
@@ -716,7 +716,7 @@
         <p:spPr>
           <a:xfrm>
             <a:off x="388080" y="1489680"/>
-            <a:ext cx="360" cy="3071880"/>
+            <a:ext cx="360" cy="3071520"/>
           </a:xfrm>
           <a:prstGeom prst="rect">
             <a:avLst/>
@@ -742,7 +742,7 @@
         <p:spPr>
           <a:xfrm>
             <a:off x="388440" y="1489680"/>
-            <a:ext cx="360" cy="3071880"/>
+            <a:ext cx="360" cy="3071520"/>
           </a:xfrm>
           <a:prstGeom prst="rect">
             <a:avLst/>
@@ -790,7 +790,7 @@
         <p:spPr>
           <a:xfrm>
             <a:off x="388080" y="457920"/>
-            <a:ext cx="8361000" cy="686160"/>
+            <a:ext cx="8360640" cy="686160"/>
           </a:xfrm>
           <a:prstGeom prst="rect">
             <a:avLst/>
@@ -839,7 +839,7 @@
         <p:spPr>
           <a:xfrm>
             <a:off x="388080" y="457920"/>
-            <a:ext cx="8361000" cy="3180600"/>
+            <a:ext cx="8360640" cy="3180600"/>
           </a:xfrm>
           <a:prstGeom prst="rect">
             <a:avLst/>
@@ -888,7 +888,7 @@
         <p:spPr>
           <a:xfrm>
             <a:off x="388080" y="457920"/>
-            <a:ext cx="8361000" cy="686160"/>
+            <a:ext cx="8360640" cy="686160"/>
           </a:xfrm>
           <a:prstGeom prst="rect">
             <a:avLst/>
@@ -915,7 +915,7 @@
         <p:spPr>
           <a:xfrm>
             <a:off x="388080" y="1489680"/>
-            <a:ext cx="360" cy="1465200"/>
+            <a:ext cx="360" cy="1464840"/>
           </a:xfrm>
           <a:prstGeom prst="rect">
             <a:avLst/>
@@ -940,8 +940,8 @@
         </p:nvSpPr>
         <p:spPr>
           <a:xfrm>
-            <a:off x="388080" y="3094560"/>
-            <a:ext cx="360" cy="1465200"/>
+            <a:off x="388080" y="3094200"/>
+            <a:ext cx="360" cy="1464840"/>
           </a:xfrm>
           <a:prstGeom prst="rect">
             <a:avLst/>
@@ -967,7 +967,7 @@
         <p:spPr>
           <a:xfrm>
             <a:off x="388440" y="1489680"/>
-            <a:ext cx="360" cy="3071880"/>
+            <a:ext cx="360" cy="3071520"/>
           </a:xfrm>
           <a:prstGeom prst="rect">
             <a:avLst/>
@@ -1015,7 +1015,7 @@
         <p:spPr>
           <a:xfrm>
             <a:off x="388080" y="457920"/>
-            <a:ext cx="8361000" cy="686160"/>
+            <a:ext cx="8360640" cy="686160"/>
           </a:xfrm>
           <a:prstGeom prst="rect">
             <a:avLst/>
@@ -1091,7 +1091,7 @@
         <p:spPr>
           <a:xfrm>
             <a:off x="388080" y="457920"/>
-            <a:ext cx="8361000" cy="686160"/>
+            <a:ext cx="8360640" cy="686160"/>
           </a:xfrm>
           <a:prstGeom prst="rect">
             <a:avLst/>
@@ -1118,7 +1118,7 @@
         <p:spPr>
           <a:xfrm>
             <a:off x="388080" y="1489680"/>
-            <a:ext cx="360" cy="3071880"/>
+            <a:ext cx="360" cy="3071520"/>
           </a:xfrm>
           <a:prstGeom prst="rect">
             <a:avLst/>
@@ -1144,7 +1144,7 @@
         <p:spPr>
           <a:xfrm>
             <a:off x="388440" y="1489680"/>
-            <a:ext cx="360" cy="1465200"/>
+            <a:ext cx="360" cy="1464840"/>
           </a:xfrm>
           <a:prstGeom prst="rect">
             <a:avLst/>
@@ -1169,8 +1169,8 @@
         </p:nvSpPr>
         <p:spPr>
           <a:xfrm>
-            <a:off x="388440" y="3094560"/>
-            <a:ext cx="360" cy="1465200"/>
+            <a:off x="388440" y="3094200"/>
+            <a:ext cx="360" cy="1464840"/>
           </a:xfrm>
           <a:prstGeom prst="rect">
             <a:avLst/>
@@ -1218,7 +1218,7 @@
         <p:spPr>
           <a:xfrm>
             <a:off x="388080" y="457920"/>
-            <a:ext cx="8361000" cy="686160"/>
+            <a:ext cx="8360640" cy="686160"/>
           </a:xfrm>
           <a:prstGeom prst="rect">
             <a:avLst/>
@@ -1245,7 +1245,7 @@
         <p:spPr>
           <a:xfrm>
             <a:off x="388080" y="1489680"/>
-            <a:ext cx="360" cy="1465200"/>
+            <a:ext cx="360" cy="1464840"/>
           </a:xfrm>
           <a:prstGeom prst="rect">
             <a:avLst/>
@@ -1271,7 +1271,7 @@
         <p:spPr>
           <a:xfrm>
             <a:off x="388440" y="1489680"/>
-            <a:ext cx="360" cy="1465200"/>
+            <a:ext cx="360" cy="1464840"/>
           </a:xfrm>
           <a:prstGeom prst="rect">
             <a:avLst/>
@@ -1296,8 +1296,8 @@
         </p:nvSpPr>
         <p:spPr>
           <a:xfrm>
-            <a:off x="388080" y="3094560"/>
-            <a:ext cx="360" cy="1465200"/>
+            <a:off x="388080" y="3094200"/>
+            <a:ext cx="360" cy="1464840"/>
           </a:xfrm>
           <a:prstGeom prst="rect">
             <a:avLst/>
@@ -1345,7 +1345,7 @@
         <p:spPr>
           <a:xfrm>
             <a:off x="388080" y="457920"/>
-            <a:ext cx="8361000" cy="686160"/>
+            <a:ext cx="8360640" cy="686160"/>
           </a:xfrm>
           <a:prstGeom prst="rect">
             <a:avLst/>
@@ -1372,7 +1372,7 @@
         <p:spPr>
           <a:xfrm>
             <a:off x="388080" y="1489680"/>
-            <a:ext cx="360" cy="1465200"/>
+            <a:ext cx="360" cy="1464840"/>
           </a:xfrm>
           <a:prstGeom prst="rect">
             <a:avLst/>
@@ -1397,8 +1397,8 @@
         </p:nvSpPr>
         <p:spPr>
           <a:xfrm>
-            <a:off x="388080" y="3094560"/>
-            <a:ext cx="360" cy="1465200"/>
+            <a:off x="388080" y="3094200"/>
+            <a:ext cx="360" cy="1464840"/>
           </a:xfrm>
           <a:prstGeom prst="rect">
             <a:avLst/>
@@ -1446,7 +1446,7 @@
         <p:spPr>
           <a:xfrm>
             <a:off x="388080" y="457920"/>
-            <a:ext cx="8361000" cy="686160"/>
+            <a:ext cx="8360640" cy="686160"/>
           </a:xfrm>
           <a:prstGeom prst="rect">
             <a:avLst/>
@@ -1473,7 +1473,7 @@
         <p:spPr>
           <a:xfrm>
             <a:off x="388080" y="1489680"/>
-            <a:ext cx="360" cy="1465200"/>
+            <a:ext cx="360" cy="1464840"/>
           </a:xfrm>
           <a:prstGeom prst="rect">
             <a:avLst/>
@@ -1499,7 +1499,7 @@
         <p:spPr>
           <a:xfrm>
             <a:off x="388440" y="1489680"/>
-            <a:ext cx="360" cy="1465200"/>
+            <a:ext cx="360" cy="1464840"/>
           </a:xfrm>
           <a:prstGeom prst="rect">
             <a:avLst/>
@@ -1524,8 +1524,8 @@
         </p:nvSpPr>
         <p:spPr>
           <a:xfrm>
-            <a:off x="388440" y="3094560"/>
-            <a:ext cx="360" cy="1465200"/>
+            <a:off x="388440" y="3094200"/>
+            <a:ext cx="360" cy="1464840"/>
           </a:xfrm>
           <a:prstGeom prst="rect">
             <a:avLst/>
@@ -1550,8 +1550,8 @@
         </p:nvSpPr>
         <p:spPr>
           <a:xfrm>
-            <a:off x="388080" y="3094560"/>
-            <a:ext cx="360" cy="1465200"/>
+            <a:off x="388080" y="3094200"/>
+            <a:ext cx="360" cy="1464840"/>
           </a:xfrm>
           <a:prstGeom prst="rect">
             <a:avLst/>
@@ -1599,7 +1599,7 @@
         <p:spPr>
           <a:xfrm>
             <a:off x="388080" y="457920"/>
-            <a:ext cx="8361000" cy="686160"/>
+            <a:ext cx="8360640" cy="686160"/>
           </a:xfrm>
           <a:prstGeom prst="rect">
             <a:avLst/>
@@ -1626,7 +1626,7 @@
         <p:spPr>
           <a:xfrm>
             <a:off x="388080" y="1489680"/>
-            <a:ext cx="360" cy="3071880"/>
+            <a:ext cx="360" cy="3071520"/>
           </a:xfrm>
           <a:prstGeom prst="rect">
             <a:avLst/>
@@ -1652,7 +1652,7 @@
         <p:spPr>
           <a:xfrm>
             <a:off x="388080" y="1489680"/>
-            <a:ext cx="360" cy="3071880"/>
+            <a:ext cx="360" cy="3071520"/>
           </a:xfrm>
           <a:prstGeom prst="rect">
             <a:avLst/>
@@ -1772,7 +1772,7 @@
         <p:spPr>
           <a:xfrm>
             <a:off x="388080" y="457920"/>
-            <a:ext cx="8361000" cy="686160"/>
+            <a:ext cx="8360640" cy="686160"/>
           </a:xfrm>
           <a:prstGeom prst="rect">
             <a:avLst/>
@@ -1848,7 +1848,7 @@
         <p:spPr>
           <a:xfrm>
             <a:off x="388080" y="457920"/>
-            <a:ext cx="8361000" cy="686160"/>
+            <a:ext cx="8360640" cy="686160"/>
           </a:xfrm>
           <a:prstGeom prst="rect">
             <a:avLst/>
@@ -1875,7 +1875,7 @@
         <p:spPr>
           <a:xfrm>
             <a:off x="388080" y="1489680"/>
-            <a:ext cx="360" cy="3071880"/>
+            <a:ext cx="360" cy="3071520"/>
           </a:xfrm>
           <a:prstGeom prst="rect">
             <a:avLst/>
@@ -1923,7 +1923,7 @@
         <p:spPr>
           <a:xfrm>
             <a:off x="388080" y="457920"/>
-            <a:ext cx="8361000" cy="686160"/>
+            <a:ext cx="8360640" cy="686160"/>
           </a:xfrm>
           <a:prstGeom prst="rect">
             <a:avLst/>
@@ -1950,7 +1950,7 @@
         <p:spPr>
           <a:xfrm>
             <a:off x="388080" y="1489680"/>
-            <a:ext cx="360" cy="3071880"/>
+            <a:ext cx="360" cy="3071520"/>
           </a:xfrm>
           <a:prstGeom prst="rect">
             <a:avLst/>
@@ -1976,7 +1976,7 @@
         <p:spPr>
           <a:xfrm>
             <a:off x="388440" y="1489680"/>
-            <a:ext cx="360" cy="3071880"/>
+            <a:ext cx="360" cy="3071520"/>
           </a:xfrm>
           <a:prstGeom prst="rect">
             <a:avLst/>
@@ -2024,7 +2024,7 @@
         <p:spPr>
           <a:xfrm>
             <a:off x="388080" y="457920"/>
-            <a:ext cx="8361000" cy="686160"/>
+            <a:ext cx="8360640" cy="686160"/>
           </a:xfrm>
           <a:prstGeom prst="rect">
             <a:avLst/>
@@ -2073,7 +2073,7 @@
         <p:spPr>
           <a:xfrm>
             <a:off x="388080" y="457920"/>
-            <a:ext cx="8361000" cy="686160"/>
+            <a:ext cx="8360640" cy="686160"/>
           </a:xfrm>
           <a:prstGeom prst="rect">
             <a:avLst/>
@@ -2100,7 +2100,7 @@
         <p:spPr>
           <a:xfrm>
             <a:off x="388080" y="1489680"/>
-            <a:ext cx="360" cy="3071880"/>
+            <a:ext cx="360" cy="3071520"/>
           </a:xfrm>
           <a:prstGeom prst="rect">
             <a:avLst/>
@@ -2148,7 +2148,7 @@
         <p:spPr>
           <a:xfrm>
             <a:off x="388080" y="457920"/>
-            <a:ext cx="8361000" cy="3180600"/>
+            <a:ext cx="8360640" cy="3180600"/>
           </a:xfrm>
           <a:prstGeom prst="rect">
             <a:avLst/>
@@ -2197,7 +2197,7 @@
         <p:spPr>
           <a:xfrm>
             <a:off x="388080" y="457920"/>
-            <a:ext cx="8361000" cy="686160"/>
+            <a:ext cx="8360640" cy="686160"/>
           </a:xfrm>
           <a:prstGeom prst="rect">
             <a:avLst/>
@@ -2224,7 +2224,7 @@
         <p:spPr>
           <a:xfrm>
             <a:off x="388080" y="1489680"/>
-            <a:ext cx="360" cy="1465200"/>
+            <a:ext cx="360" cy="1464840"/>
           </a:xfrm>
           <a:prstGeom prst="rect">
             <a:avLst/>
@@ -2249,8 +2249,8 @@
         </p:nvSpPr>
         <p:spPr>
           <a:xfrm>
-            <a:off x="388080" y="3094560"/>
-            <a:ext cx="360" cy="1465200"/>
+            <a:off x="388080" y="3094200"/>
+            <a:ext cx="360" cy="1464840"/>
           </a:xfrm>
           <a:prstGeom prst="rect">
             <a:avLst/>
@@ -2276,7 +2276,7 @@
         <p:spPr>
           <a:xfrm>
             <a:off x="388440" y="1489680"/>
-            <a:ext cx="360" cy="3071880"/>
+            <a:ext cx="360" cy="3071520"/>
           </a:xfrm>
           <a:prstGeom prst="rect">
             <a:avLst/>
@@ -2324,7 +2324,7 @@
         <p:spPr>
           <a:xfrm>
             <a:off x="388080" y="457920"/>
-            <a:ext cx="8361000" cy="686160"/>
+            <a:ext cx="8360640" cy="686160"/>
           </a:xfrm>
           <a:prstGeom prst="rect">
             <a:avLst/>
@@ -2351,7 +2351,7 @@
         <p:spPr>
           <a:xfrm>
             <a:off x="388080" y="1489680"/>
-            <a:ext cx="360" cy="3071880"/>
+            <a:ext cx="360" cy="3071520"/>
           </a:xfrm>
           <a:prstGeom prst="rect">
             <a:avLst/>
@@ -2377,7 +2377,7 @@
         <p:spPr>
           <a:xfrm>
             <a:off x="388440" y="1489680"/>
-            <a:ext cx="360" cy="1465200"/>
+            <a:ext cx="360" cy="1464840"/>
           </a:xfrm>
           <a:prstGeom prst="rect">
             <a:avLst/>
@@ -2402,8 +2402,8 @@
         </p:nvSpPr>
         <p:spPr>
           <a:xfrm>
-            <a:off x="388440" y="3094560"/>
-            <a:ext cx="360" cy="1465200"/>
+            <a:off x="388440" y="3094200"/>
+            <a:ext cx="360" cy="1464840"/>
           </a:xfrm>
           <a:prstGeom prst="rect">
             <a:avLst/>
@@ -2451,7 +2451,7 @@
         <p:spPr>
           <a:xfrm>
             <a:off x="388080" y="457920"/>
-            <a:ext cx="8361000" cy="686160"/>
+            <a:ext cx="8360640" cy="686160"/>
           </a:xfrm>
           <a:prstGeom prst="rect">
             <a:avLst/>
@@ -2478,7 +2478,7 @@
         <p:spPr>
           <a:xfrm>
             <a:off x="388080" y="1489680"/>
-            <a:ext cx="360" cy="1465200"/>
+            <a:ext cx="360" cy="1464840"/>
           </a:xfrm>
           <a:prstGeom prst="rect">
             <a:avLst/>
@@ -2504,7 +2504,7 @@
         <p:spPr>
           <a:xfrm>
             <a:off x="388440" y="1489680"/>
-            <a:ext cx="360" cy="1465200"/>
+            <a:ext cx="360" cy="1464840"/>
           </a:xfrm>
           <a:prstGeom prst="rect">
             <a:avLst/>
@@ -2529,8 +2529,8 @@
         </p:nvSpPr>
         <p:spPr>
           <a:xfrm>
-            <a:off x="388080" y="3094560"/>
-            <a:ext cx="360" cy="1465200"/>
+            <a:off x="388080" y="3094200"/>
+            <a:ext cx="360" cy="1464840"/>
           </a:xfrm>
           <a:prstGeom prst="rect">
             <a:avLst/>
@@ -2578,7 +2578,7 @@
         <p:spPr>
           <a:xfrm>
             <a:off x="388080" y="457920"/>
-            <a:ext cx="8361000" cy="686160"/>
+            <a:ext cx="8360640" cy="686160"/>
           </a:xfrm>
           <a:prstGeom prst="rect">
             <a:avLst/>
@@ -2605,7 +2605,7 @@
         <p:spPr>
           <a:xfrm>
             <a:off x="388080" y="1489680"/>
-            <a:ext cx="360" cy="1465200"/>
+            <a:ext cx="360" cy="1464840"/>
           </a:xfrm>
           <a:prstGeom prst="rect">
             <a:avLst/>
@@ -2630,8 +2630,8 @@
         </p:nvSpPr>
         <p:spPr>
           <a:xfrm>
-            <a:off x="388080" y="3094560"/>
-            <a:ext cx="360" cy="1465200"/>
+            <a:off x="388080" y="3094200"/>
+            <a:ext cx="360" cy="1464840"/>
           </a:xfrm>
           <a:prstGeom prst="rect">
             <a:avLst/>
@@ -2679,7 +2679,7 @@
         <p:spPr>
           <a:xfrm>
             <a:off x="388080" y="457920"/>
-            <a:ext cx="8361000" cy="686160"/>
+            <a:ext cx="8360640" cy="686160"/>
           </a:xfrm>
           <a:prstGeom prst="rect">
             <a:avLst/>
@@ -2706,7 +2706,7 @@
         <p:spPr>
           <a:xfrm>
             <a:off x="388080" y="1489680"/>
-            <a:ext cx="360" cy="1465200"/>
+            <a:ext cx="360" cy="1464840"/>
           </a:xfrm>
           <a:prstGeom prst="rect">
             <a:avLst/>
@@ -2732,7 +2732,7 @@
         <p:spPr>
           <a:xfrm>
             <a:off x="388440" y="1489680"/>
-            <a:ext cx="360" cy="1465200"/>
+            <a:ext cx="360" cy="1464840"/>
           </a:xfrm>
           <a:prstGeom prst="rect">
             <a:avLst/>
@@ -2757,8 +2757,8 @@
         </p:nvSpPr>
         <p:spPr>
           <a:xfrm>
-            <a:off x="388440" y="3094560"/>
-            <a:ext cx="360" cy="1465200"/>
+            <a:off x="388440" y="3094200"/>
+            <a:ext cx="360" cy="1464840"/>
           </a:xfrm>
           <a:prstGeom prst="rect">
             <a:avLst/>
@@ -2783,8 +2783,8 @@
         </p:nvSpPr>
         <p:spPr>
           <a:xfrm>
-            <a:off x="388080" y="3094560"/>
-            <a:ext cx="360" cy="1465200"/>
+            <a:off x="388080" y="3094200"/>
+            <a:ext cx="360" cy="1464840"/>
           </a:xfrm>
           <a:prstGeom prst="rect">
             <a:avLst/>
@@ -2832,7 +2832,7 @@
         <p:spPr>
           <a:xfrm>
             <a:off x="388080" y="457920"/>
-            <a:ext cx="8361000" cy="686160"/>
+            <a:ext cx="8360640" cy="686160"/>
           </a:xfrm>
           <a:prstGeom prst="rect">
             <a:avLst/>
@@ -2859,7 +2859,7 @@
         <p:spPr>
           <a:xfrm>
             <a:off x="388080" y="1489680"/>
-            <a:ext cx="360" cy="3071880"/>
+            <a:ext cx="360" cy="3071520"/>
           </a:xfrm>
           <a:prstGeom prst="rect">
             <a:avLst/>
@@ -2885,7 +2885,7 @@
         <p:spPr>
           <a:xfrm>
             <a:off x="388080" y="1489680"/>
-            <a:ext cx="360" cy="3071880"/>
+            <a:ext cx="360" cy="3071520"/>
           </a:xfrm>
           <a:prstGeom prst="rect">
             <a:avLst/>
@@ -3005,7 +3005,7 @@
         <p:spPr>
           <a:xfrm>
             <a:off x="388080" y="457920"/>
-            <a:ext cx="8361000" cy="686160"/>
+            <a:ext cx="8360640" cy="686160"/>
           </a:xfrm>
           <a:prstGeom prst="rect">
             <a:avLst/>
@@ -3081,7 +3081,7 @@
         <p:spPr>
           <a:xfrm>
             <a:off x="388080" y="457920"/>
-            <a:ext cx="8361000" cy="686160"/>
+            <a:ext cx="8360640" cy="686160"/>
           </a:xfrm>
           <a:prstGeom prst="rect">
             <a:avLst/>
@@ -3108,7 +3108,7 @@
         <p:spPr>
           <a:xfrm>
             <a:off x="388080" y="1489680"/>
-            <a:ext cx="360" cy="3071880"/>
+            <a:ext cx="360" cy="3071520"/>
           </a:xfrm>
           <a:prstGeom prst="rect">
             <a:avLst/>
@@ -3156,7 +3156,7 @@
         <p:spPr>
           <a:xfrm>
             <a:off x="388080" y="457920"/>
-            <a:ext cx="8361000" cy="686160"/>
+            <a:ext cx="8360640" cy="686160"/>
           </a:xfrm>
           <a:prstGeom prst="rect">
             <a:avLst/>
@@ -3183,7 +3183,7 @@
         <p:spPr>
           <a:xfrm>
             <a:off x="388080" y="1489680"/>
-            <a:ext cx="360" cy="3071880"/>
+            <a:ext cx="360" cy="3071520"/>
           </a:xfrm>
           <a:prstGeom prst="rect">
             <a:avLst/>
@@ -3209,7 +3209,7 @@
         <p:spPr>
           <a:xfrm>
             <a:off x="388440" y="1489680"/>
-            <a:ext cx="360" cy="3071880"/>
+            <a:ext cx="360" cy="3071520"/>
           </a:xfrm>
           <a:prstGeom prst="rect">
             <a:avLst/>
@@ -3257,7 +3257,7 @@
         <p:spPr>
           <a:xfrm>
             <a:off x="388080" y="457920"/>
-            <a:ext cx="8361000" cy="686160"/>
+            <a:ext cx="8360640" cy="686160"/>
           </a:xfrm>
           <a:prstGeom prst="rect">
             <a:avLst/>
@@ -3284,7 +3284,7 @@
         <p:spPr>
           <a:xfrm>
             <a:off x="388080" y="1489680"/>
-            <a:ext cx="360" cy="3071880"/>
+            <a:ext cx="360" cy="3071520"/>
           </a:xfrm>
           <a:prstGeom prst="rect">
             <a:avLst/>
@@ -3310,7 +3310,7 @@
         <p:spPr>
           <a:xfrm>
             <a:off x="388440" y="1489680"/>
-            <a:ext cx="360" cy="3071880"/>
+            <a:ext cx="360" cy="3071520"/>
           </a:xfrm>
           <a:prstGeom prst="rect">
             <a:avLst/>
@@ -3358,7 +3358,7 @@
         <p:spPr>
           <a:xfrm>
             <a:off x="388080" y="457920"/>
-            <a:ext cx="8361000" cy="686160"/>
+            <a:ext cx="8360640" cy="686160"/>
           </a:xfrm>
           <a:prstGeom prst="rect">
             <a:avLst/>
@@ -3407,7 +3407,7 @@
         <p:spPr>
           <a:xfrm>
             <a:off x="388080" y="457920"/>
-            <a:ext cx="8361000" cy="3180600"/>
+            <a:ext cx="8360640" cy="3180600"/>
           </a:xfrm>
           <a:prstGeom prst="rect">
             <a:avLst/>
@@ -3456,7 +3456,7 @@
         <p:spPr>
           <a:xfrm>
             <a:off x="388080" y="457920"/>
-            <a:ext cx="8361000" cy="686160"/>
+            <a:ext cx="8360640" cy="686160"/>
           </a:xfrm>
           <a:prstGeom prst="rect">
             <a:avLst/>
@@ -3483,7 +3483,7 @@
         <p:spPr>
           <a:xfrm>
             <a:off x="388080" y="1489680"/>
-            <a:ext cx="360" cy="1465200"/>
+            <a:ext cx="360" cy="1464840"/>
           </a:xfrm>
           <a:prstGeom prst="rect">
             <a:avLst/>
@@ -3508,8 +3508,8 @@
         </p:nvSpPr>
         <p:spPr>
           <a:xfrm>
-            <a:off x="388080" y="3094560"/>
-            <a:ext cx="360" cy="1465200"/>
+            <a:off x="388080" y="3094200"/>
+            <a:ext cx="360" cy="1464840"/>
           </a:xfrm>
           <a:prstGeom prst="rect">
             <a:avLst/>
@@ -3535,7 +3535,7 @@
         <p:spPr>
           <a:xfrm>
             <a:off x="388440" y="1489680"/>
-            <a:ext cx="360" cy="3071880"/>
+            <a:ext cx="360" cy="3071520"/>
           </a:xfrm>
           <a:prstGeom prst="rect">
             <a:avLst/>
@@ -3583,7 +3583,7 @@
         <p:spPr>
           <a:xfrm>
             <a:off x="388080" y="457920"/>
-            <a:ext cx="8361000" cy="686160"/>
+            <a:ext cx="8360640" cy="686160"/>
           </a:xfrm>
           <a:prstGeom prst="rect">
             <a:avLst/>
@@ -3610,7 +3610,7 @@
         <p:spPr>
           <a:xfrm>
             <a:off x="388080" y="1489680"/>
-            <a:ext cx="360" cy="3071880"/>
+            <a:ext cx="360" cy="3071520"/>
           </a:xfrm>
           <a:prstGeom prst="rect">
             <a:avLst/>
@@ -3636,7 +3636,7 @@
         <p:spPr>
           <a:xfrm>
             <a:off x="388440" y="1489680"/>
-            <a:ext cx="360" cy="1465200"/>
+            <a:ext cx="360" cy="1464840"/>
           </a:xfrm>
           <a:prstGeom prst="rect">
             <a:avLst/>
@@ -3661,8 +3661,8 @@
         </p:nvSpPr>
         <p:spPr>
           <a:xfrm>
-            <a:off x="388440" y="3094560"/>
-            <a:ext cx="360" cy="1465200"/>
+            <a:off x="388440" y="3094200"/>
+            <a:ext cx="360" cy="1464840"/>
           </a:xfrm>
           <a:prstGeom prst="rect">
             <a:avLst/>
@@ -3710,7 +3710,7 @@
         <p:spPr>
           <a:xfrm>
             <a:off x="388080" y="457920"/>
-            <a:ext cx="8361000" cy="686160"/>
+            <a:ext cx="8360640" cy="686160"/>
           </a:xfrm>
           <a:prstGeom prst="rect">
             <a:avLst/>
@@ -3737,7 +3737,7 @@
         <p:spPr>
           <a:xfrm>
             <a:off x="388080" y="1489680"/>
-            <a:ext cx="360" cy="1465200"/>
+            <a:ext cx="360" cy="1464840"/>
           </a:xfrm>
           <a:prstGeom prst="rect">
             <a:avLst/>
@@ -3763,7 +3763,7 @@
         <p:spPr>
           <a:xfrm>
             <a:off x="388440" y="1489680"/>
-            <a:ext cx="360" cy="1465200"/>
+            <a:ext cx="360" cy="1464840"/>
           </a:xfrm>
           <a:prstGeom prst="rect">
             <a:avLst/>
@@ -3788,8 +3788,8 @@
         </p:nvSpPr>
         <p:spPr>
           <a:xfrm>
-            <a:off x="388080" y="3094560"/>
-            <a:ext cx="360" cy="1465200"/>
+            <a:off x="388080" y="3094200"/>
+            <a:ext cx="360" cy="1464840"/>
           </a:xfrm>
           <a:prstGeom prst="rect">
             <a:avLst/>
@@ -3837,7 +3837,7 @@
         <p:spPr>
           <a:xfrm>
             <a:off x="388080" y="457920"/>
-            <a:ext cx="8361000" cy="686160"/>
+            <a:ext cx="8360640" cy="686160"/>
           </a:xfrm>
           <a:prstGeom prst="rect">
             <a:avLst/>
@@ -3864,7 +3864,7 @@
         <p:spPr>
           <a:xfrm>
             <a:off x="388080" y="1489680"/>
-            <a:ext cx="360" cy="1465200"/>
+            <a:ext cx="360" cy="1464840"/>
           </a:xfrm>
           <a:prstGeom prst="rect">
             <a:avLst/>
@@ -3889,8 +3889,8 @@
         </p:nvSpPr>
         <p:spPr>
           <a:xfrm>
-            <a:off x="388080" y="3094560"/>
-            <a:ext cx="360" cy="1465200"/>
+            <a:off x="388080" y="3094200"/>
+            <a:ext cx="360" cy="1464840"/>
           </a:xfrm>
           <a:prstGeom prst="rect">
             <a:avLst/>
@@ -3938,7 +3938,7 @@
         <p:spPr>
           <a:xfrm>
             <a:off x="388080" y="457920"/>
-            <a:ext cx="8361000" cy="686160"/>
+            <a:ext cx="8360640" cy="686160"/>
           </a:xfrm>
           <a:prstGeom prst="rect">
             <a:avLst/>
@@ -3965,7 +3965,7 @@
         <p:spPr>
           <a:xfrm>
             <a:off x="388080" y="1489680"/>
-            <a:ext cx="360" cy="1465200"/>
+            <a:ext cx="360" cy="1464840"/>
           </a:xfrm>
           <a:prstGeom prst="rect">
             <a:avLst/>
@@ -3991,7 +3991,7 @@
         <p:spPr>
           <a:xfrm>
             <a:off x="388440" y="1489680"/>
-            <a:ext cx="360" cy="1465200"/>
+            <a:ext cx="360" cy="1464840"/>
           </a:xfrm>
           <a:prstGeom prst="rect">
             <a:avLst/>
@@ -4016,8 +4016,8 @@
         </p:nvSpPr>
         <p:spPr>
           <a:xfrm>
-            <a:off x="388440" y="3094560"/>
-            <a:ext cx="360" cy="1465200"/>
+            <a:off x="388440" y="3094200"/>
+            <a:ext cx="360" cy="1464840"/>
           </a:xfrm>
           <a:prstGeom prst="rect">
             <a:avLst/>
@@ -4042,8 +4042,8 @@
         </p:nvSpPr>
         <p:spPr>
           <a:xfrm>
-            <a:off x="388080" y="3094560"/>
-            <a:ext cx="360" cy="1465200"/>
+            <a:off x="388080" y="3094200"/>
+            <a:ext cx="360" cy="1464840"/>
           </a:xfrm>
           <a:prstGeom prst="rect">
             <a:avLst/>
@@ -4091,7 +4091,7 @@
         <p:spPr>
           <a:xfrm>
             <a:off x="388080" y="457920"/>
-            <a:ext cx="8361000" cy="686160"/>
+            <a:ext cx="8360640" cy="686160"/>
           </a:xfrm>
           <a:prstGeom prst="rect">
             <a:avLst/>
@@ -4118,7 +4118,7 @@
         <p:spPr>
           <a:xfrm>
             <a:off x="388080" y="1489680"/>
-            <a:ext cx="360" cy="3071880"/>
+            <a:ext cx="360" cy="3071520"/>
           </a:xfrm>
           <a:prstGeom prst="rect">
             <a:avLst/>
@@ -4144,7 +4144,7 @@
         <p:spPr>
           <a:xfrm>
             <a:off x="388080" y="1489680"/>
-            <a:ext cx="360" cy="3071880"/>
+            <a:ext cx="360" cy="3071520"/>
           </a:xfrm>
           <a:prstGeom prst="rect">
             <a:avLst/>
@@ -4264,7 +4264,7 @@
         <p:spPr>
           <a:xfrm>
             <a:off x="388080" y="457920"/>
-            <a:ext cx="8361000" cy="686160"/>
+            <a:ext cx="8360640" cy="686160"/>
           </a:xfrm>
           <a:prstGeom prst="rect">
             <a:avLst/>
@@ -4313,7 +4313,7 @@
         <p:spPr>
           <a:xfrm>
             <a:off x="388080" y="457920"/>
-            <a:ext cx="8361000" cy="686160"/>
+            <a:ext cx="8360640" cy="686160"/>
           </a:xfrm>
           <a:prstGeom prst="rect">
             <a:avLst/>
@@ -4389,7 +4389,7 @@
         <p:spPr>
           <a:xfrm>
             <a:off x="388080" y="457920"/>
-            <a:ext cx="8361000" cy="686160"/>
+            <a:ext cx="8360640" cy="686160"/>
           </a:xfrm>
           <a:prstGeom prst="rect">
             <a:avLst/>
@@ -4416,7 +4416,7 @@
         <p:spPr>
           <a:xfrm>
             <a:off x="388080" y="1489680"/>
-            <a:ext cx="360" cy="3071880"/>
+            <a:ext cx="360" cy="3071520"/>
           </a:xfrm>
           <a:prstGeom prst="rect">
             <a:avLst/>
@@ -4464,7 +4464,7 @@
         <p:spPr>
           <a:xfrm>
             <a:off x="388080" y="457920"/>
-            <a:ext cx="8361000" cy="686160"/>
+            <a:ext cx="8360640" cy="686160"/>
           </a:xfrm>
           <a:prstGeom prst="rect">
             <a:avLst/>
@@ -4491,7 +4491,7 @@
         <p:spPr>
           <a:xfrm>
             <a:off x="388080" y="1489680"/>
-            <a:ext cx="360" cy="3071880"/>
+            <a:ext cx="360" cy="3071520"/>
           </a:xfrm>
           <a:prstGeom prst="rect">
             <a:avLst/>
@@ -4517,7 +4517,7 @@
         <p:spPr>
           <a:xfrm>
             <a:off x="388440" y="1489680"/>
-            <a:ext cx="360" cy="3071880"/>
+            <a:ext cx="360" cy="3071520"/>
           </a:xfrm>
           <a:prstGeom prst="rect">
             <a:avLst/>
@@ -4565,7 +4565,7 @@
         <p:spPr>
           <a:xfrm>
             <a:off x="388080" y="457920"/>
-            <a:ext cx="8361000" cy="686160"/>
+            <a:ext cx="8360640" cy="686160"/>
           </a:xfrm>
           <a:prstGeom prst="rect">
             <a:avLst/>
@@ -4614,7 +4614,7 @@
         <p:spPr>
           <a:xfrm>
             <a:off x="388080" y="457920"/>
-            <a:ext cx="8361000" cy="3180600"/>
+            <a:ext cx="8360640" cy="3180600"/>
           </a:xfrm>
           <a:prstGeom prst="rect">
             <a:avLst/>
@@ -4663,7 +4663,7 @@
         <p:spPr>
           <a:xfrm>
             <a:off x="388080" y="457920"/>
-            <a:ext cx="8361000" cy="686160"/>
+            <a:ext cx="8360640" cy="686160"/>
           </a:xfrm>
           <a:prstGeom prst="rect">
             <a:avLst/>
@@ -4690,7 +4690,7 @@
         <p:spPr>
           <a:xfrm>
             <a:off x="388080" y="1489680"/>
-            <a:ext cx="360" cy="1465200"/>
+            <a:ext cx="360" cy="1464840"/>
           </a:xfrm>
           <a:prstGeom prst="rect">
             <a:avLst/>
@@ -4715,8 +4715,8 @@
         </p:nvSpPr>
         <p:spPr>
           <a:xfrm>
-            <a:off x="388080" y="3094560"/>
-            <a:ext cx="360" cy="1465200"/>
+            <a:off x="388080" y="3094200"/>
+            <a:ext cx="360" cy="1464840"/>
           </a:xfrm>
           <a:prstGeom prst="rect">
             <a:avLst/>
@@ -4742,7 +4742,7 @@
         <p:spPr>
           <a:xfrm>
             <a:off x="388440" y="1489680"/>
-            <a:ext cx="360" cy="3071880"/>
+            <a:ext cx="360" cy="3071520"/>
           </a:xfrm>
           <a:prstGeom prst="rect">
             <a:avLst/>
@@ -4790,7 +4790,7 @@
         <p:spPr>
           <a:xfrm>
             <a:off x="388080" y="457920"/>
-            <a:ext cx="8361000" cy="686160"/>
+            <a:ext cx="8360640" cy="686160"/>
           </a:xfrm>
           <a:prstGeom prst="rect">
             <a:avLst/>
@@ -4817,7 +4817,7 @@
         <p:spPr>
           <a:xfrm>
             <a:off x="388080" y="1489680"/>
-            <a:ext cx="360" cy="3071880"/>
+            <a:ext cx="360" cy="3071520"/>
           </a:xfrm>
           <a:prstGeom prst="rect">
             <a:avLst/>
@@ -4843,7 +4843,7 @@
         <p:spPr>
           <a:xfrm>
             <a:off x="388440" y="1489680"/>
-            <a:ext cx="360" cy="1465200"/>
+            <a:ext cx="360" cy="1464840"/>
           </a:xfrm>
           <a:prstGeom prst="rect">
             <a:avLst/>
@@ -4868,8 +4868,8 @@
         </p:nvSpPr>
         <p:spPr>
           <a:xfrm>
-            <a:off x="388440" y="3094560"/>
-            <a:ext cx="360" cy="1465200"/>
+            <a:off x="388440" y="3094200"/>
+            <a:ext cx="360" cy="1464840"/>
           </a:xfrm>
           <a:prstGeom prst="rect">
             <a:avLst/>
@@ -4917,7 +4917,7 @@
         <p:spPr>
           <a:xfrm>
             <a:off x="388080" y="457920"/>
-            <a:ext cx="8361000" cy="686160"/>
+            <a:ext cx="8360640" cy="686160"/>
           </a:xfrm>
           <a:prstGeom prst="rect">
             <a:avLst/>
@@ -4944,7 +4944,7 @@
         <p:spPr>
           <a:xfrm>
             <a:off x="388080" y="1489680"/>
-            <a:ext cx="360" cy="1465200"/>
+            <a:ext cx="360" cy="1464840"/>
           </a:xfrm>
           <a:prstGeom prst="rect">
             <a:avLst/>
@@ -4970,7 +4970,7 @@
         <p:spPr>
           <a:xfrm>
             <a:off x="388440" y="1489680"/>
-            <a:ext cx="360" cy="1465200"/>
+            <a:ext cx="360" cy="1464840"/>
           </a:xfrm>
           <a:prstGeom prst="rect">
             <a:avLst/>
@@ -4995,8 +4995,8 @@
         </p:nvSpPr>
         <p:spPr>
           <a:xfrm>
-            <a:off x="388080" y="3094560"/>
-            <a:ext cx="360" cy="1465200"/>
+            <a:off x="388080" y="3094200"/>
+            <a:ext cx="360" cy="1464840"/>
           </a:xfrm>
           <a:prstGeom prst="rect">
             <a:avLst/>
@@ -5044,7 +5044,7 @@
         <p:spPr>
           <a:xfrm>
             <a:off x="388080" y="457920"/>
-            <a:ext cx="8361000" cy="686160"/>
+            <a:ext cx="8360640" cy="686160"/>
           </a:xfrm>
           <a:prstGeom prst="rect">
             <a:avLst/>
@@ -5071,7 +5071,7 @@
         <p:spPr>
           <a:xfrm>
             <a:off x="388080" y="1489680"/>
-            <a:ext cx="360" cy="1465200"/>
+            <a:ext cx="360" cy="1464840"/>
           </a:xfrm>
           <a:prstGeom prst="rect">
             <a:avLst/>
@@ -5096,8 +5096,8 @@
         </p:nvSpPr>
         <p:spPr>
           <a:xfrm>
-            <a:off x="388080" y="3094560"/>
-            <a:ext cx="360" cy="1465200"/>
+            <a:off x="388080" y="3094200"/>
+            <a:ext cx="360" cy="1464840"/>
           </a:xfrm>
           <a:prstGeom prst="rect">
             <a:avLst/>
@@ -5145,7 +5145,7 @@
         <p:spPr>
           <a:xfrm>
             <a:off x="388080" y="457920"/>
-            <a:ext cx="8361000" cy="686160"/>
+            <a:ext cx="8360640" cy="686160"/>
           </a:xfrm>
           <a:prstGeom prst="rect">
             <a:avLst/>
@@ -5172,7 +5172,7 @@
         <p:spPr>
           <a:xfrm>
             <a:off x="388080" y="1489680"/>
-            <a:ext cx="360" cy="1465200"/>
+            <a:ext cx="360" cy="1464840"/>
           </a:xfrm>
           <a:prstGeom prst="rect">
             <a:avLst/>
@@ -5198,7 +5198,7 @@
         <p:spPr>
           <a:xfrm>
             <a:off x="388440" y="1489680"/>
-            <a:ext cx="360" cy="1465200"/>
+            <a:ext cx="360" cy="1464840"/>
           </a:xfrm>
           <a:prstGeom prst="rect">
             <a:avLst/>
@@ -5223,8 +5223,8 @@
         </p:nvSpPr>
         <p:spPr>
           <a:xfrm>
-            <a:off x="388440" y="3094560"/>
-            <a:ext cx="360" cy="1465200"/>
+            <a:off x="388440" y="3094200"/>
+            <a:ext cx="360" cy="1464840"/>
           </a:xfrm>
           <a:prstGeom prst="rect">
             <a:avLst/>
@@ -5249,8 +5249,8 @@
         </p:nvSpPr>
         <p:spPr>
           <a:xfrm>
-            <a:off x="388080" y="3094560"/>
-            <a:ext cx="360" cy="1465200"/>
+            <a:off x="388080" y="3094200"/>
+            <a:ext cx="360" cy="1464840"/>
           </a:xfrm>
           <a:prstGeom prst="rect">
             <a:avLst/>
@@ -5298,7 +5298,7 @@
         <p:spPr>
           <a:xfrm>
             <a:off x="388080" y="457920"/>
-            <a:ext cx="8361000" cy="3180600"/>
+            <a:ext cx="8360640" cy="3180600"/>
           </a:xfrm>
           <a:prstGeom prst="rect">
             <a:avLst/>
@@ -5347,7 +5347,7 @@
         <p:spPr>
           <a:xfrm>
             <a:off x="388080" y="457920"/>
-            <a:ext cx="8361000" cy="686160"/>
+            <a:ext cx="8360640" cy="686160"/>
           </a:xfrm>
           <a:prstGeom prst="rect">
             <a:avLst/>
@@ -5374,7 +5374,7 @@
         <p:spPr>
           <a:xfrm>
             <a:off x="388080" y="1489680"/>
-            <a:ext cx="360" cy="3071880"/>
+            <a:ext cx="360" cy="3071520"/>
           </a:xfrm>
           <a:prstGeom prst="rect">
             <a:avLst/>
@@ -5400,7 +5400,7 @@
         <p:spPr>
           <a:xfrm>
             <a:off x="388080" y="1489680"/>
-            <a:ext cx="360" cy="3071880"/>
+            <a:ext cx="360" cy="3071520"/>
           </a:xfrm>
           <a:prstGeom prst="rect">
             <a:avLst/>
@@ -5520,7 +5520,7 @@
         <p:spPr>
           <a:xfrm>
             <a:off x="388080" y="457920"/>
-            <a:ext cx="8361000" cy="686160"/>
+            <a:ext cx="8360640" cy="686160"/>
           </a:xfrm>
           <a:prstGeom prst="rect">
             <a:avLst/>
@@ -5596,7 +5596,7 @@
         <p:spPr>
           <a:xfrm>
             <a:off x="388080" y="457920"/>
-            <a:ext cx="8361000" cy="686160"/>
+            <a:ext cx="8360640" cy="686160"/>
           </a:xfrm>
           <a:prstGeom prst="rect">
             <a:avLst/>
@@ -5623,7 +5623,7 @@
         <p:spPr>
           <a:xfrm>
             <a:off x="388080" y="1489680"/>
-            <a:ext cx="360" cy="3071880"/>
+            <a:ext cx="360" cy="3071520"/>
           </a:xfrm>
           <a:prstGeom prst="rect">
             <a:avLst/>
@@ -5671,7 +5671,7 @@
         <p:spPr>
           <a:xfrm>
             <a:off x="388080" y="457920"/>
-            <a:ext cx="8361000" cy="686160"/>
+            <a:ext cx="8360640" cy="686160"/>
           </a:xfrm>
           <a:prstGeom prst="rect">
             <a:avLst/>
@@ -5698,7 +5698,7 @@
         <p:spPr>
           <a:xfrm>
             <a:off x="388080" y="1489680"/>
-            <a:ext cx="360" cy="3071880"/>
+            <a:ext cx="360" cy="3071520"/>
           </a:xfrm>
           <a:prstGeom prst="rect">
             <a:avLst/>
@@ -5724,7 +5724,7 @@
         <p:spPr>
           <a:xfrm>
             <a:off x="388440" y="1489680"/>
-            <a:ext cx="360" cy="3071880"/>
+            <a:ext cx="360" cy="3071520"/>
           </a:xfrm>
           <a:prstGeom prst="rect">
             <a:avLst/>
@@ -5772,7 +5772,7 @@
         <p:spPr>
           <a:xfrm>
             <a:off x="388080" y="457920"/>
-            <a:ext cx="8361000" cy="686160"/>
+            <a:ext cx="8360640" cy="686160"/>
           </a:xfrm>
           <a:prstGeom prst="rect">
             <a:avLst/>
@@ -5821,7 +5821,7 @@
         <p:spPr>
           <a:xfrm>
             <a:off x="388080" y="457920"/>
-            <a:ext cx="8361000" cy="3180600"/>
+            <a:ext cx="8360640" cy="3180600"/>
           </a:xfrm>
           <a:prstGeom prst="rect">
             <a:avLst/>
@@ -5870,7 +5870,7 @@
         <p:spPr>
           <a:xfrm>
             <a:off x="388080" y="457920"/>
-            <a:ext cx="8361000" cy="686160"/>
+            <a:ext cx="8360640" cy="686160"/>
           </a:xfrm>
           <a:prstGeom prst="rect">
             <a:avLst/>
@@ -5897,7 +5897,7 @@
         <p:spPr>
           <a:xfrm>
             <a:off x="388080" y="1489680"/>
-            <a:ext cx="360" cy="1465200"/>
+            <a:ext cx="360" cy="1464840"/>
           </a:xfrm>
           <a:prstGeom prst="rect">
             <a:avLst/>
@@ -5922,8 +5922,8 @@
         </p:nvSpPr>
         <p:spPr>
           <a:xfrm>
-            <a:off x="388080" y="3094560"/>
-            <a:ext cx="360" cy="1465200"/>
+            <a:off x="388080" y="3094200"/>
+            <a:ext cx="360" cy="1464840"/>
           </a:xfrm>
           <a:prstGeom prst="rect">
             <a:avLst/>
@@ -5949,7 +5949,7 @@
         <p:spPr>
           <a:xfrm>
             <a:off x="388440" y="1489680"/>
-            <a:ext cx="360" cy="3071880"/>
+            <a:ext cx="360" cy="3071520"/>
           </a:xfrm>
           <a:prstGeom prst="rect">
             <a:avLst/>
@@ -5997,7 +5997,7 @@
         <p:spPr>
           <a:xfrm>
             <a:off x="388080" y="457920"/>
-            <a:ext cx="8361000" cy="686160"/>
+            <a:ext cx="8360640" cy="686160"/>
           </a:xfrm>
           <a:prstGeom prst="rect">
             <a:avLst/>
@@ -6024,7 +6024,7 @@
         <p:spPr>
           <a:xfrm>
             <a:off x="388080" y="1489680"/>
-            <a:ext cx="360" cy="3071880"/>
+            <a:ext cx="360" cy="3071520"/>
           </a:xfrm>
           <a:prstGeom prst="rect">
             <a:avLst/>
@@ -6050,7 +6050,7 @@
         <p:spPr>
           <a:xfrm>
             <a:off x="388440" y="1489680"/>
-            <a:ext cx="360" cy="1465200"/>
+            <a:ext cx="360" cy="1464840"/>
           </a:xfrm>
           <a:prstGeom prst="rect">
             <a:avLst/>
@@ -6075,8 +6075,8 @@
         </p:nvSpPr>
         <p:spPr>
           <a:xfrm>
-            <a:off x="388440" y="3094560"/>
-            <a:ext cx="360" cy="1465200"/>
+            <a:off x="388440" y="3094200"/>
+            <a:ext cx="360" cy="1464840"/>
           </a:xfrm>
           <a:prstGeom prst="rect">
             <a:avLst/>
@@ -6124,7 +6124,7 @@
         <p:spPr>
           <a:xfrm>
             <a:off x="388080" y="457920"/>
-            <a:ext cx="8361000" cy="686160"/>
+            <a:ext cx="8360640" cy="686160"/>
           </a:xfrm>
           <a:prstGeom prst="rect">
             <a:avLst/>
@@ -6151,7 +6151,7 @@
         <p:spPr>
           <a:xfrm>
             <a:off x="388080" y="1489680"/>
-            <a:ext cx="360" cy="1465200"/>
+            <a:ext cx="360" cy="1464840"/>
           </a:xfrm>
           <a:prstGeom prst="rect">
             <a:avLst/>
@@ -6177,7 +6177,7 @@
         <p:spPr>
           <a:xfrm>
             <a:off x="388440" y="1489680"/>
-            <a:ext cx="360" cy="1465200"/>
+            <a:ext cx="360" cy="1464840"/>
           </a:xfrm>
           <a:prstGeom prst="rect">
             <a:avLst/>
@@ -6202,8 +6202,8 @@
         </p:nvSpPr>
         <p:spPr>
           <a:xfrm>
-            <a:off x="388080" y="3094560"/>
-            <a:ext cx="360" cy="1465200"/>
+            <a:off x="388080" y="3094200"/>
+            <a:ext cx="360" cy="1464840"/>
           </a:xfrm>
           <a:prstGeom prst="rect">
             <a:avLst/>
@@ -6251,7 +6251,7 @@
         <p:spPr>
           <a:xfrm>
             <a:off x="388080" y="457920"/>
-            <a:ext cx="8361000" cy="686160"/>
+            <a:ext cx="8360640" cy="686160"/>
           </a:xfrm>
           <a:prstGeom prst="rect">
             <a:avLst/>
@@ -6278,7 +6278,7 @@
         <p:spPr>
           <a:xfrm>
             <a:off x="388080" y="1489680"/>
-            <a:ext cx="360" cy="1465200"/>
+            <a:ext cx="360" cy="1464840"/>
           </a:xfrm>
           <a:prstGeom prst="rect">
             <a:avLst/>
@@ -6303,8 +6303,8 @@
         </p:nvSpPr>
         <p:spPr>
           <a:xfrm>
-            <a:off x="388080" y="3094560"/>
-            <a:ext cx="360" cy="1465200"/>
+            <a:off x="388080" y="3094200"/>
+            <a:ext cx="360" cy="1464840"/>
           </a:xfrm>
           <a:prstGeom prst="rect">
             <a:avLst/>
@@ -6330,7 +6330,7 @@
         <p:spPr>
           <a:xfrm>
             <a:off x="388440" y="1489680"/>
-            <a:ext cx="360" cy="3071880"/>
+            <a:ext cx="360" cy="3071520"/>
           </a:xfrm>
           <a:prstGeom prst="rect">
             <a:avLst/>
@@ -6378,7 +6378,7 @@
         <p:spPr>
           <a:xfrm>
             <a:off x="388080" y="457920"/>
-            <a:ext cx="8361000" cy="686160"/>
+            <a:ext cx="8360640" cy="686160"/>
           </a:xfrm>
           <a:prstGeom prst="rect">
             <a:avLst/>
@@ -6405,7 +6405,7 @@
         <p:spPr>
           <a:xfrm>
             <a:off x="388080" y="1489680"/>
-            <a:ext cx="360" cy="1465200"/>
+            <a:ext cx="360" cy="1464840"/>
           </a:xfrm>
           <a:prstGeom prst="rect">
             <a:avLst/>
@@ -6430,8 +6430,8 @@
         </p:nvSpPr>
         <p:spPr>
           <a:xfrm>
-            <a:off x="388080" y="3094560"/>
-            <a:ext cx="360" cy="1465200"/>
+            <a:off x="388080" y="3094200"/>
+            <a:ext cx="360" cy="1464840"/>
           </a:xfrm>
           <a:prstGeom prst="rect">
             <a:avLst/>
@@ -6479,7 +6479,7 @@
         <p:spPr>
           <a:xfrm>
             <a:off x="388080" y="457920"/>
-            <a:ext cx="8361000" cy="686160"/>
+            <a:ext cx="8360640" cy="686160"/>
           </a:xfrm>
           <a:prstGeom prst="rect">
             <a:avLst/>
@@ -6506,7 +6506,7 @@
         <p:spPr>
           <a:xfrm>
             <a:off x="388080" y="1489680"/>
-            <a:ext cx="360" cy="1465200"/>
+            <a:ext cx="360" cy="1464840"/>
           </a:xfrm>
           <a:prstGeom prst="rect">
             <a:avLst/>
@@ -6532,7 +6532,7 @@
         <p:spPr>
           <a:xfrm>
             <a:off x="388440" y="1489680"/>
-            <a:ext cx="360" cy="1465200"/>
+            <a:ext cx="360" cy="1464840"/>
           </a:xfrm>
           <a:prstGeom prst="rect">
             <a:avLst/>
@@ -6557,8 +6557,8 @@
         </p:nvSpPr>
         <p:spPr>
           <a:xfrm>
-            <a:off x="388440" y="3094560"/>
-            <a:ext cx="360" cy="1465200"/>
+            <a:off x="388440" y="3094200"/>
+            <a:ext cx="360" cy="1464840"/>
           </a:xfrm>
           <a:prstGeom prst="rect">
             <a:avLst/>
@@ -6583,8 +6583,8 @@
         </p:nvSpPr>
         <p:spPr>
           <a:xfrm>
-            <a:off x="388080" y="3094560"/>
-            <a:ext cx="360" cy="1465200"/>
+            <a:off x="388080" y="3094200"/>
+            <a:ext cx="360" cy="1464840"/>
           </a:xfrm>
           <a:prstGeom prst="rect">
             <a:avLst/>
@@ -6632,7 +6632,7 @@
         <p:spPr>
           <a:xfrm>
             <a:off x="388080" y="457920"/>
-            <a:ext cx="8361000" cy="686160"/>
+            <a:ext cx="8360640" cy="686160"/>
           </a:xfrm>
           <a:prstGeom prst="rect">
             <a:avLst/>
@@ -6659,7 +6659,7 @@
         <p:spPr>
           <a:xfrm>
             <a:off x="388080" y="1489680"/>
-            <a:ext cx="360" cy="3071880"/>
+            <a:ext cx="360" cy="3071520"/>
           </a:xfrm>
           <a:prstGeom prst="rect">
             <a:avLst/>
@@ -6685,7 +6685,7 @@
         <p:spPr>
           <a:xfrm>
             <a:off x="388080" y="1489680"/>
-            <a:ext cx="360" cy="3071880"/>
+            <a:ext cx="360" cy="3071520"/>
           </a:xfrm>
           <a:prstGeom prst="rect">
             <a:avLst/>
@@ -6805,7 +6805,7 @@
         <p:spPr>
           <a:xfrm>
             <a:off x="388080" y="457920"/>
-            <a:ext cx="8361000" cy="686160"/>
+            <a:ext cx="8360640" cy="686160"/>
           </a:xfrm>
           <a:prstGeom prst="rect">
             <a:avLst/>
@@ -6881,7 +6881,7 @@
         <p:spPr>
           <a:xfrm>
             <a:off x="388080" y="457920"/>
-            <a:ext cx="8361000" cy="686160"/>
+            <a:ext cx="8360640" cy="686160"/>
           </a:xfrm>
           <a:prstGeom prst="rect">
             <a:avLst/>
@@ -6908,7 +6908,7 @@
         <p:spPr>
           <a:xfrm>
             <a:off x="388080" y="1489680"/>
-            <a:ext cx="360" cy="3071880"/>
+            <a:ext cx="360" cy="3071520"/>
           </a:xfrm>
           <a:prstGeom prst="rect">
             <a:avLst/>
@@ -6956,7 +6956,7 @@
         <p:spPr>
           <a:xfrm>
             <a:off x="388080" y="457920"/>
-            <a:ext cx="8361000" cy="686160"/>
+            <a:ext cx="8360640" cy="686160"/>
           </a:xfrm>
           <a:prstGeom prst="rect">
             <a:avLst/>
@@ -6983,7 +6983,7 @@
         <p:spPr>
           <a:xfrm>
             <a:off x="388080" y="1489680"/>
-            <a:ext cx="360" cy="3071880"/>
+            <a:ext cx="360" cy="3071520"/>
           </a:xfrm>
           <a:prstGeom prst="rect">
             <a:avLst/>
@@ -7009,7 +7009,7 @@
         <p:spPr>
           <a:xfrm>
             <a:off x="388440" y="1489680"/>
-            <a:ext cx="360" cy="3071880"/>
+            <a:ext cx="360" cy="3071520"/>
           </a:xfrm>
           <a:prstGeom prst="rect">
             <a:avLst/>
@@ -7057,7 +7057,7 @@
         <p:spPr>
           <a:xfrm>
             <a:off x="388080" y="457920"/>
-            <a:ext cx="8361000" cy="686160"/>
+            <a:ext cx="8360640" cy="686160"/>
           </a:xfrm>
           <a:prstGeom prst="rect">
             <a:avLst/>
@@ -7106,7 +7106,7 @@
         <p:spPr>
           <a:xfrm>
             <a:off x="388080" y="457920"/>
-            <a:ext cx="8361000" cy="3180600"/>
+            <a:ext cx="8360640" cy="3180600"/>
           </a:xfrm>
           <a:prstGeom prst="rect">
             <a:avLst/>
@@ -7155,7 +7155,7 @@
         <p:spPr>
           <a:xfrm>
             <a:off x="388080" y="457920"/>
-            <a:ext cx="8361000" cy="686160"/>
+            <a:ext cx="8360640" cy="686160"/>
           </a:xfrm>
           <a:prstGeom prst="rect">
             <a:avLst/>
@@ -7182,7 +7182,7 @@
         <p:spPr>
           <a:xfrm>
             <a:off x="388080" y="1489680"/>
-            <a:ext cx="360" cy="1465200"/>
+            <a:ext cx="360" cy="1464840"/>
           </a:xfrm>
           <a:prstGeom prst="rect">
             <a:avLst/>
@@ -7207,8 +7207,8 @@
         </p:nvSpPr>
         <p:spPr>
           <a:xfrm>
-            <a:off x="388080" y="3094560"/>
-            <a:ext cx="360" cy="1465200"/>
+            <a:off x="388080" y="3094200"/>
+            <a:ext cx="360" cy="1464840"/>
           </a:xfrm>
           <a:prstGeom prst="rect">
             <a:avLst/>
@@ -7234,7 +7234,7 @@
         <p:spPr>
           <a:xfrm>
             <a:off x="388440" y="1489680"/>
-            <a:ext cx="360" cy="3071880"/>
+            <a:ext cx="360" cy="3071520"/>
           </a:xfrm>
           <a:prstGeom prst="rect">
             <a:avLst/>
@@ -7282,7 +7282,7 @@
         <p:spPr>
           <a:xfrm>
             <a:off x="388080" y="457920"/>
-            <a:ext cx="8361000" cy="686160"/>
+            <a:ext cx="8360640" cy="686160"/>
           </a:xfrm>
           <a:prstGeom prst="rect">
             <a:avLst/>
@@ -7309,7 +7309,7 @@
         <p:spPr>
           <a:xfrm>
             <a:off x="388080" y="1489680"/>
-            <a:ext cx="360" cy="3071880"/>
+            <a:ext cx="360" cy="3071520"/>
           </a:xfrm>
           <a:prstGeom prst="rect">
             <a:avLst/>
@@ -7335,7 +7335,7 @@
         <p:spPr>
           <a:xfrm>
             <a:off x="388440" y="1489680"/>
-            <a:ext cx="360" cy="1465200"/>
+            <a:ext cx="360" cy="1464840"/>
           </a:xfrm>
           <a:prstGeom prst="rect">
             <a:avLst/>
@@ -7360,8 +7360,8 @@
         </p:nvSpPr>
         <p:spPr>
           <a:xfrm>
-            <a:off x="388440" y="3094560"/>
-            <a:ext cx="360" cy="1465200"/>
+            <a:off x="388440" y="3094200"/>
+            <a:ext cx="360" cy="1464840"/>
           </a:xfrm>
           <a:prstGeom prst="rect">
             <a:avLst/>
@@ -7409,7 +7409,7 @@
         <p:spPr>
           <a:xfrm>
             <a:off x="388080" y="457920"/>
-            <a:ext cx="8361000" cy="686160"/>
+            <a:ext cx="8360640" cy="686160"/>
           </a:xfrm>
           <a:prstGeom prst="rect">
             <a:avLst/>
@@ -7436,7 +7436,7 @@
         <p:spPr>
           <a:xfrm>
             <a:off x="388080" y="1489680"/>
-            <a:ext cx="360" cy="3071880"/>
+            <a:ext cx="360" cy="3071520"/>
           </a:xfrm>
           <a:prstGeom prst="rect">
             <a:avLst/>
@@ -7462,7 +7462,7 @@
         <p:spPr>
           <a:xfrm>
             <a:off x="388440" y="1489680"/>
-            <a:ext cx="360" cy="1465200"/>
+            <a:ext cx="360" cy="1464840"/>
           </a:xfrm>
           <a:prstGeom prst="rect">
             <a:avLst/>
@@ -7487,8 +7487,8 @@
         </p:nvSpPr>
         <p:spPr>
           <a:xfrm>
-            <a:off x="388440" y="3094560"/>
-            <a:ext cx="360" cy="1465200"/>
+            <a:off x="388440" y="3094200"/>
+            <a:ext cx="360" cy="1464840"/>
           </a:xfrm>
           <a:prstGeom prst="rect">
             <a:avLst/>
@@ -7536,7 +7536,7 @@
         <p:spPr>
           <a:xfrm>
             <a:off x="388080" y="457920"/>
-            <a:ext cx="8361000" cy="686160"/>
+            <a:ext cx="8360640" cy="686160"/>
           </a:xfrm>
           <a:prstGeom prst="rect">
             <a:avLst/>
@@ -7563,7 +7563,7 @@
         <p:spPr>
           <a:xfrm>
             <a:off x="388080" y="1489680"/>
-            <a:ext cx="360" cy="1465200"/>
+            <a:ext cx="360" cy="1464840"/>
           </a:xfrm>
           <a:prstGeom prst="rect">
             <a:avLst/>
@@ -7589,7 +7589,7 @@
         <p:spPr>
           <a:xfrm>
             <a:off x="388440" y="1489680"/>
-            <a:ext cx="360" cy="1465200"/>
+            <a:ext cx="360" cy="1464840"/>
           </a:xfrm>
           <a:prstGeom prst="rect">
             <a:avLst/>
@@ -7614,8 +7614,8 @@
         </p:nvSpPr>
         <p:spPr>
           <a:xfrm>
-            <a:off x="388080" y="3094560"/>
-            <a:ext cx="360" cy="1465200"/>
+            <a:off x="388080" y="3094200"/>
+            <a:ext cx="360" cy="1464840"/>
           </a:xfrm>
           <a:prstGeom prst="rect">
             <a:avLst/>
@@ -7663,7 +7663,7 @@
         <p:spPr>
           <a:xfrm>
             <a:off x="388080" y="457920"/>
-            <a:ext cx="8361000" cy="686160"/>
+            <a:ext cx="8360640" cy="686160"/>
           </a:xfrm>
           <a:prstGeom prst="rect">
             <a:avLst/>
@@ -7690,7 +7690,7 @@
         <p:spPr>
           <a:xfrm>
             <a:off x="388080" y="1489680"/>
-            <a:ext cx="360" cy="1465200"/>
+            <a:ext cx="360" cy="1464840"/>
           </a:xfrm>
           <a:prstGeom prst="rect">
             <a:avLst/>
@@ -7715,8 +7715,8 @@
         </p:nvSpPr>
         <p:spPr>
           <a:xfrm>
-            <a:off x="388080" y="3094560"/>
-            <a:ext cx="360" cy="1465200"/>
+            <a:off x="388080" y="3094200"/>
+            <a:ext cx="360" cy="1464840"/>
           </a:xfrm>
           <a:prstGeom prst="rect">
             <a:avLst/>
@@ -7764,7 +7764,7 @@
         <p:spPr>
           <a:xfrm>
             <a:off x="388080" y="457920"/>
-            <a:ext cx="8361000" cy="686160"/>
+            <a:ext cx="8360640" cy="686160"/>
           </a:xfrm>
           <a:prstGeom prst="rect">
             <a:avLst/>
@@ -7791,7 +7791,7 @@
         <p:spPr>
           <a:xfrm>
             <a:off x="388080" y="1489680"/>
-            <a:ext cx="360" cy="1465200"/>
+            <a:ext cx="360" cy="1464840"/>
           </a:xfrm>
           <a:prstGeom prst="rect">
             <a:avLst/>
@@ -7817,7 +7817,7 @@
         <p:spPr>
           <a:xfrm>
             <a:off x="388440" y="1489680"/>
-            <a:ext cx="360" cy="1465200"/>
+            <a:ext cx="360" cy="1464840"/>
           </a:xfrm>
           <a:prstGeom prst="rect">
             <a:avLst/>
@@ -7842,8 +7842,8 @@
         </p:nvSpPr>
         <p:spPr>
           <a:xfrm>
-            <a:off x="388440" y="3094560"/>
-            <a:ext cx="360" cy="1465200"/>
+            <a:off x="388440" y="3094200"/>
+            <a:ext cx="360" cy="1464840"/>
           </a:xfrm>
           <a:prstGeom prst="rect">
             <a:avLst/>
@@ -7868,8 +7868,8 @@
         </p:nvSpPr>
         <p:spPr>
           <a:xfrm>
-            <a:off x="388080" y="3094560"/>
-            <a:ext cx="360" cy="1465200"/>
+            <a:off x="388080" y="3094200"/>
+            <a:ext cx="360" cy="1464840"/>
           </a:xfrm>
           <a:prstGeom prst="rect">
             <a:avLst/>
@@ -7917,7 +7917,7 @@
         <p:spPr>
           <a:xfrm>
             <a:off x="388080" y="457920"/>
-            <a:ext cx="8361000" cy="686160"/>
+            <a:ext cx="8360640" cy="686160"/>
           </a:xfrm>
           <a:prstGeom prst="rect">
             <a:avLst/>
@@ -7944,7 +7944,7 @@
         <p:spPr>
           <a:xfrm>
             <a:off x="388080" y="1489680"/>
-            <a:ext cx="360" cy="3071880"/>
+            <a:ext cx="360" cy="3071520"/>
           </a:xfrm>
           <a:prstGeom prst="rect">
             <a:avLst/>
@@ -7970,7 +7970,7 @@
         <p:spPr>
           <a:xfrm>
             <a:off x="388080" y="1489680"/>
-            <a:ext cx="360" cy="3071880"/>
+            <a:ext cx="360" cy="3071520"/>
           </a:xfrm>
           <a:prstGeom prst="rect">
             <a:avLst/>
@@ -8090,7 +8090,7 @@
         <p:spPr>
           <a:xfrm>
             <a:off x="388080" y="457920"/>
-            <a:ext cx="8361000" cy="686160"/>
+            <a:ext cx="8360640" cy="686160"/>
           </a:xfrm>
           <a:prstGeom prst="rect">
             <a:avLst/>
@@ -8166,7 +8166,7 @@
         <p:spPr>
           <a:xfrm>
             <a:off x="388080" y="457920"/>
-            <a:ext cx="8361000" cy="686160"/>
+            <a:ext cx="8360640" cy="686160"/>
           </a:xfrm>
           <a:prstGeom prst="rect">
             <a:avLst/>
@@ -8193,7 +8193,7 @@
         <p:spPr>
           <a:xfrm>
             <a:off x="388080" y="1489680"/>
-            <a:ext cx="360" cy="3071880"/>
+            <a:ext cx="360" cy="3071520"/>
           </a:xfrm>
           <a:prstGeom prst="rect">
             <a:avLst/>
@@ -8241,7 +8241,7 @@
         <p:spPr>
           <a:xfrm>
             <a:off x="388080" y="457920"/>
-            <a:ext cx="8361000" cy="686160"/>
+            <a:ext cx="8360640" cy="686160"/>
           </a:xfrm>
           <a:prstGeom prst="rect">
             <a:avLst/>
@@ -8268,7 +8268,7 @@
         <p:spPr>
           <a:xfrm>
             <a:off x="388080" y="1489680"/>
-            <a:ext cx="360" cy="3071880"/>
+            <a:ext cx="360" cy="3071520"/>
           </a:xfrm>
           <a:prstGeom prst="rect">
             <a:avLst/>
@@ -8294,7 +8294,7 @@
         <p:spPr>
           <a:xfrm>
             <a:off x="388440" y="1489680"/>
-            <a:ext cx="360" cy="3071880"/>
+            <a:ext cx="360" cy="3071520"/>
           </a:xfrm>
           <a:prstGeom prst="rect">
             <a:avLst/>
@@ -8342,7 +8342,7 @@
         <p:spPr>
           <a:xfrm>
             <a:off x="388080" y="457920"/>
-            <a:ext cx="8361000" cy="686160"/>
+            <a:ext cx="8360640" cy="686160"/>
           </a:xfrm>
           <a:prstGeom prst="rect">
             <a:avLst/>
@@ -8391,7 +8391,7 @@
         <p:spPr>
           <a:xfrm>
             <a:off x="388080" y="457920"/>
-            <a:ext cx="8361000" cy="686160"/>
+            <a:ext cx="8360640" cy="686160"/>
           </a:xfrm>
           <a:prstGeom prst="rect">
             <a:avLst/>
@@ -8418,7 +8418,7 @@
         <p:spPr>
           <a:xfrm>
             <a:off x="388080" y="1489680"/>
-            <a:ext cx="360" cy="1465200"/>
+            <a:ext cx="360" cy="1464840"/>
           </a:xfrm>
           <a:prstGeom prst="rect">
             <a:avLst/>
@@ -8444,7 +8444,7 @@
         <p:spPr>
           <a:xfrm>
             <a:off x="388440" y="1489680"/>
-            <a:ext cx="360" cy="1465200"/>
+            <a:ext cx="360" cy="1464840"/>
           </a:xfrm>
           <a:prstGeom prst="rect">
             <a:avLst/>
@@ -8469,8 +8469,8 @@
         </p:nvSpPr>
         <p:spPr>
           <a:xfrm>
-            <a:off x="388080" y="3094560"/>
-            <a:ext cx="360" cy="1465200"/>
+            <a:off x="388080" y="3094200"/>
+            <a:ext cx="360" cy="1464840"/>
           </a:xfrm>
           <a:prstGeom prst="rect">
             <a:avLst/>
@@ -8518,7 +8518,7 @@
         <p:spPr>
           <a:xfrm>
             <a:off x="388080" y="457920"/>
-            <a:ext cx="8361000" cy="3180600"/>
+            <a:ext cx="8360640" cy="3180600"/>
           </a:xfrm>
           <a:prstGeom prst="rect">
             <a:avLst/>
@@ -8567,7 +8567,7 @@
         <p:spPr>
           <a:xfrm>
             <a:off x="388080" y="457920"/>
-            <a:ext cx="8361000" cy="686160"/>
+            <a:ext cx="8360640" cy="686160"/>
           </a:xfrm>
           <a:prstGeom prst="rect">
             <a:avLst/>
@@ -8594,7 +8594,7 @@
         <p:spPr>
           <a:xfrm>
             <a:off x="388080" y="1489680"/>
-            <a:ext cx="360" cy="1465200"/>
+            <a:ext cx="360" cy="1464840"/>
           </a:xfrm>
           <a:prstGeom prst="rect">
             <a:avLst/>
@@ -8619,8 +8619,8 @@
         </p:nvSpPr>
         <p:spPr>
           <a:xfrm>
-            <a:off x="388080" y="3094560"/>
-            <a:ext cx="360" cy="1465200"/>
+            <a:off x="388080" y="3094200"/>
+            <a:ext cx="360" cy="1464840"/>
           </a:xfrm>
           <a:prstGeom prst="rect">
             <a:avLst/>
@@ -8646,7 +8646,7 @@
         <p:spPr>
           <a:xfrm>
             <a:off x="388440" y="1489680"/>
-            <a:ext cx="360" cy="3071880"/>
+            <a:ext cx="360" cy="3071520"/>
           </a:xfrm>
           <a:prstGeom prst="rect">
             <a:avLst/>
@@ -8694,7 +8694,7 @@
         <p:spPr>
           <a:xfrm>
             <a:off x="388080" y="457920"/>
-            <a:ext cx="8361000" cy="686160"/>
+            <a:ext cx="8360640" cy="686160"/>
           </a:xfrm>
           <a:prstGeom prst="rect">
             <a:avLst/>
@@ -8721,7 +8721,7 @@
         <p:spPr>
           <a:xfrm>
             <a:off x="388080" y="1489680"/>
-            <a:ext cx="360" cy="3071880"/>
+            <a:ext cx="360" cy="3071520"/>
           </a:xfrm>
           <a:prstGeom prst="rect">
             <a:avLst/>
@@ -8747,7 +8747,7 @@
         <p:spPr>
           <a:xfrm>
             <a:off x="388440" y="1489680"/>
-            <a:ext cx="360" cy="1465200"/>
+            <a:ext cx="360" cy="1464840"/>
           </a:xfrm>
           <a:prstGeom prst="rect">
             <a:avLst/>
@@ -8772,8 +8772,8 @@
         </p:nvSpPr>
         <p:spPr>
           <a:xfrm>
-            <a:off x="388440" y="3094560"/>
-            <a:ext cx="360" cy="1465200"/>
+            <a:off x="388440" y="3094200"/>
+            <a:ext cx="360" cy="1464840"/>
           </a:xfrm>
           <a:prstGeom prst="rect">
             <a:avLst/>
@@ -8821,7 +8821,7 @@
         <p:spPr>
           <a:xfrm>
             <a:off x="388080" y="457920"/>
-            <a:ext cx="8361000" cy="686160"/>
+            <a:ext cx="8360640" cy="686160"/>
           </a:xfrm>
           <a:prstGeom prst="rect">
             <a:avLst/>
@@ -8848,7 +8848,7 @@
         <p:spPr>
           <a:xfrm>
             <a:off x="388080" y="1489680"/>
-            <a:ext cx="360" cy="1465200"/>
+            <a:ext cx="360" cy="1464840"/>
           </a:xfrm>
           <a:prstGeom prst="rect">
             <a:avLst/>
@@ -8874,7 +8874,7 @@
         <p:spPr>
           <a:xfrm>
             <a:off x="388440" y="1489680"/>
-            <a:ext cx="360" cy="1465200"/>
+            <a:ext cx="360" cy="1464840"/>
           </a:xfrm>
           <a:prstGeom prst="rect">
             <a:avLst/>
@@ -8899,8 +8899,8 @@
         </p:nvSpPr>
         <p:spPr>
           <a:xfrm>
-            <a:off x="388080" y="3094560"/>
-            <a:ext cx="360" cy="1465200"/>
+            <a:off x="388080" y="3094200"/>
+            <a:ext cx="360" cy="1464840"/>
           </a:xfrm>
           <a:prstGeom prst="rect">
             <a:avLst/>
@@ -8948,7 +8948,7 @@
         <p:spPr>
           <a:xfrm>
             <a:off x="388080" y="457920"/>
-            <a:ext cx="8361000" cy="686160"/>
+            <a:ext cx="8360640" cy="686160"/>
           </a:xfrm>
           <a:prstGeom prst="rect">
             <a:avLst/>
@@ -8975,7 +8975,7 @@
         <p:spPr>
           <a:xfrm>
             <a:off x="388080" y="1489680"/>
-            <a:ext cx="360" cy="1465200"/>
+            <a:ext cx="360" cy="1464840"/>
           </a:xfrm>
           <a:prstGeom prst="rect">
             <a:avLst/>
@@ -9000,8 +9000,8 @@
         </p:nvSpPr>
         <p:spPr>
           <a:xfrm>
-            <a:off x="388080" y="3094560"/>
-            <a:ext cx="360" cy="1465200"/>
+            <a:off x="388080" y="3094200"/>
+            <a:ext cx="360" cy="1464840"/>
           </a:xfrm>
           <a:prstGeom prst="rect">
             <a:avLst/>
@@ -9049,7 +9049,7 @@
         <p:spPr>
           <a:xfrm>
             <a:off x="388080" y="457920"/>
-            <a:ext cx="8361000" cy="686160"/>
+            <a:ext cx="8360640" cy="686160"/>
           </a:xfrm>
           <a:prstGeom prst="rect">
             <a:avLst/>
@@ -9076,7 +9076,7 @@
         <p:spPr>
           <a:xfrm>
             <a:off x="388080" y="1489680"/>
-            <a:ext cx="360" cy="1465200"/>
+            <a:ext cx="360" cy="1464840"/>
           </a:xfrm>
           <a:prstGeom prst="rect">
             <a:avLst/>
@@ -9102,7 +9102,7 @@
         <p:spPr>
           <a:xfrm>
             <a:off x="388440" y="1489680"/>
-            <a:ext cx="360" cy="1465200"/>
+            <a:ext cx="360" cy="1464840"/>
           </a:xfrm>
           <a:prstGeom prst="rect">
             <a:avLst/>
@@ -9127,8 +9127,8 @@
         </p:nvSpPr>
         <p:spPr>
           <a:xfrm>
-            <a:off x="388440" y="3094560"/>
-            <a:ext cx="360" cy="1465200"/>
+            <a:off x="388440" y="3094200"/>
+            <a:ext cx="360" cy="1464840"/>
           </a:xfrm>
           <a:prstGeom prst="rect">
             <a:avLst/>
@@ -9153,8 +9153,8 @@
         </p:nvSpPr>
         <p:spPr>
           <a:xfrm>
-            <a:off x="388080" y="3094560"/>
-            <a:ext cx="360" cy="1465200"/>
+            <a:off x="388080" y="3094200"/>
+            <a:ext cx="360" cy="1464840"/>
           </a:xfrm>
           <a:prstGeom prst="rect">
             <a:avLst/>
@@ -9202,7 +9202,7 @@
         <p:spPr>
           <a:xfrm>
             <a:off x="388080" y="457920"/>
-            <a:ext cx="8361000" cy="686160"/>
+            <a:ext cx="8360640" cy="686160"/>
           </a:xfrm>
           <a:prstGeom prst="rect">
             <a:avLst/>
@@ -9229,7 +9229,7 @@
         <p:spPr>
           <a:xfrm>
             <a:off x="388080" y="1489680"/>
-            <a:ext cx="360" cy="3071880"/>
+            <a:ext cx="360" cy="3071520"/>
           </a:xfrm>
           <a:prstGeom prst="rect">
             <a:avLst/>
@@ -9255,7 +9255,7 @@
         <p:spPr>
           <a:xfrm>
             <a:off x="388080" y="1489680"/>
-            <a:ext cx="360" cy="3071880"/>
+            <a:ext cx="360" cy="3071520"/>
           </a:xfrm>
           <a:prstGeom prst="rect">
             <a:avLst/>
@@ -9356,7 +9356,7 @@
         <p:spPr>
           <a:xfrm>
             <a:off x="492480" y="1260360"/>
-            <a:ext cx="417600" cy="360"/>
+            <a:ext cx="417240" cy="360"/>
           </a:xfrm>
           <a:prstGeom prst="straightConnector1">
             <a:avLst/>
@@ -9383,7 +9383,7 @@
         <p:spPr>
           <a:xfrm>
             <a:off x="388080" y="457920"/>
-            <a:ext cx="8361000" cy="685800"/>
+            <a:ext cx="8360640" cy="685800"/>
           </a:xfrm>
           <a:prstGeom prst="rect">
             <a:avLst/>
@@ -9415,7 +9415,7 @@
         <p:spPr>
           <a:xfrm>
             <a:off x="388080" y="1489680"/>
-            <a:ext cx="360" cy="3071880"/>
+            <a:ext cx="360" cy="3071520"/>
           </a:xfrm>
           <a:prstGeom prst="rect">
             <a:avLst/>
@@ -9536,7 +9536,7 @@
         <p:spPr>
           <a:xfrm>
             <a:off x="388440" y="1489680"/>
-            <a:ext cx="360" cy="3071880"/>
+            <a:ext cx="360" cy="3071520"/>
           </a:xfrm>
           <a:prstGeom prst="rect">
             <a:avLst/>
@@ -9895,7 +9895,7 @@
         <p:spPr>
           <a:xfrm>
             <a:off x="492480" y="1260360"/>
-            <a:ext cx="417600" cy="360"/>
+            <a:ext cx="417240" cy="360"/>
           </a:xfrm>
           <a:prstGeom prst="straightConnector1">
             <a:avLst/>
@@ -10116,7 +10116,7 @@
         <p:spPr>
           <a:xfrm>
             <a:off x="492480" y="1260360"/>
-            <a:ext cx="417600" cy="360"/>
+            <a:ext cx="417240" cy="360"/>
           </a:xfrm>
           <a:prstGeom prst="straightConnector1">
             <a:avLst/>
@@ -10337,7 +10337,7 @@
         <p:spPr>
           <a:xfrm>
             <a:off x="492480" y="1260360"/>
-            <a:ext cx="417600" cy="360"/>
+            <a:ext cx="417240" cy="360"/>
           </a:xfrm>
           <a:prstGeom prst="straightConnector1">
             <a:avLst/>
@@ -10558,7 +10558,7 @@
         <p:spPr>
           <a:xfrm>
             <a:off x="492480" y="1260360"/>
-            <a:ext cx="417600" cy="360"/>
+            <a:ext cx="417240" cy="360"/>
           </a:xfrm>
           <a:prstGeom prst="straightConnector1">
             <a:avLst/>
@@ -10585,7 +10585,7 @@
         <p:spPr>
           <a:xfrm>
             <a:off x="388080" y="457920"/>
-            <a:ext cx="8361000" cy="685800"/>
+            <a:ext cx="8360640" cy="685800"/>
           </a:xfrm>
           <a:prstGeom prst="rect">
             <a:avLst/>
@@ -10778,7 +10778,7 @@
         <p:spPr>
           <a:xfrm>
             <a:off x="492480" y="1260360"/>
-            <a:ext cx="417600" cy="360"/>
+            <a:ext cx="417240" cy="360"/>
           </a:xfrm>
           <a:prstGeom prst="straightConnector1">
             <a:avLst/>
@@ -10805,7 +10805,7 @@
         <p:spPr>
           <a:xfrm>
             <a:off x="388080" y="457920"/>
-            <a:ext cx="8361000" cy="685800"/>
+            <a:ext cx="8360640" cy="685800"/>
           </a:xfrm>
           <a:prstGeom prst="rect">
             <a:avLst/>
@@ -10837,7 +10837,7 @@
         <p:spPr>
           <a:xfrm>
             <a:off x="388080" y="1489680"/>
-            <a:ext cx="360" cy="3071880"/>
+            <a:ext cx="360" cy="3071520"/>
           </a:xfrm>
           <a:prstGeom prst="rect">
             <a:avLst/>
@@ -10958,7 +10958,7 @@
         <p:spPr>
           <a:xfrm>
             <a:off x="388440" y="1489680"/>
-            <a:ext cx="360" cy="3071880"/>
+            <a:ext cx="360" cy="3071520"/>
           </a:xfrm>
           <a:prstGeom prst="rect">
             <a:avLst/>
@@ -11119,7 +11119,7 @@
         <p:spPr>
           <a:xfrm>
             <a:off x="492480" y="1260360"/>
-            <a:ext cx="417600" cy="360"/>
+            <a:ext cx="417240" cy="360"/>
           </a:xfrm>
           <a:prstGeom prst="straightConnector1">
             <a:avLst/>
@@ -11333,7 +11333,7 @@
         <p:spPr>
           <a:xfrm>
             <a:off x="388080" y="1489680"/>
-            <a:ext cx="1944720" cy="3071880"/>
+            <a:ext cx="1944360" cy="3071520"/>
           </a:xfrm>
           <a:prstGeom prst="rect">
             <a:avLst/>
@@ -11353,7 +11353,7 @@
         <p:spPr>
           <a:xfrm>
             <a:off x="2437560" y="1489680"/>
-            <a:ext cx="1944720" cy="3071880"/>
+            <a:ext cx="1944360" cy="3071520"/>
           </a:xfrm>
           <a:prstGeom prst="rect">
             <a:avLst/>
@@ -11373,7 +11373,7 @@
         <p:spPr>
           <a:xfrm>
             <a:off x="457200" y="1371600"/>
-            <a:ext cx="8406000" cy="3560400"/>
+            <a:ext cx="8405640" cy="3560040"/>
           </a:xfrm>
           <a:prstGeom prst="rect">
             <a:avLst/>
@@ -11488,7 +11488,7 @@
         <p:spPr>
           <a:xfrm>
             <a:off x="3566160" y="2651760"/>
-            <a:ext cx="2100240" cy="360"/>
+            <a:ext cx="2099880" cy="360"/>
           </a:xfrm>
           <a:prstGeom prst="straightConnector1">
             <a:avLst/>
@@ -11560,7 +11560,7 @@
         <p:spPr>
           <a:xfrm>
             <a:off x="424800" y="597600"/>
-            <a:ext cx="8361000" cy="678960"/>
+            <a:ext cx="8360640" cy="678600"/>
           </a:xfrm>
           <a:prstGeom prst="rect">
             <a:avLst/>
@@ -11580,7 +11580,7 @@
         <p:spPr>
           <a:xfrm>
             <a:off x="343800" y="1651320"/>
-            <a:ext cx="3992760" cy="3071880"/>
+            <a:ext cx="3992400" cy="3071520"/>
           </a:xfrm>
           <a:prstGeom prst="rect">
             <a:avLst/>
@@ -11600,7 +11600,7 @@
         <p:spPr>
           <a:xfrm>
             <a:off x="4285800" y="2001960"/>
-            <a:ext cx="4439520" cy="3071880"/>
+            <a:ext cx="4439160" cy="3071520"/>
           </a:xfrm>
           <a:prstGeom prst="rect">
             <a:avLst/>
@@ -11620,7 +11620,7 @@
         <p:spPr>
           <a:xfrm>
             <a:off x="1308600" y="1437120"/>
-            <a:ext cx="6321600" cy="404280"/>
+            <a:ext cx="6321240" cy="403920"/>
           </a:xfrm>
           <a:prstGeom prst="rect">
             <a:avLst/>
@@ -11640,7 +11640,7 @@
         <p:spPr>
           <a:xfrm>
             <a:off x="388080" y="457920"/>
-            <a:ext cx="8361000" cy="684000"/>
+            <a:ext cx="8360640" cy="683640"/>
           </a:xfrm>
           <a:prstGeom prst="rect">
             <a:avLst/>
@@ -11680,7 +11680,7 @@
         <p:spPr>
           <a:xfrm>
             <a:off x="640080" y="1737360"/>
-            <a:ext cx="7588440" cy="1369080"/>
+            <a:ext cx="7588080" cy="1368720"/>
           </a:xfrm>
           <a:prstGeom prst="rect">
             <a:avLst/>
@@ -11778,7 +11778,7 @@
         <p:spPr>
           <a:xfrm>
             <a:off x="457200" y="3259800"/>
-            <a:ext cx="3542040" cy="1036800"/>
+            <a:ext cx="3541680" cy="1036440"/>
           </a:xfrm>
           <a:prstGeom prst="rect">
             <a:avLst/>
@@ -11797,7 +11797,7 @@
         <p:spPr>
           <a:xfrm>
             <a:off x="4389120" y="2926080"/>
-            <a:ext cx="4205160" cy="1689480"/>
+            <a:ext cx="4204800" cy="1689120"/>
           </a:xfrm>
           <a:prstGeom prst="rect">
             <a:avLst/>
@@ -11998,7 +11998,7 @@
         <p:spPr>
           <a:xfrm>
             <a:off x="424800" y="597600"/>
-            <a:ext cx="8361000" cy="678960"/>
+            <a:ext cx="8360640" cy="678600"/>
           </a:xfrm>
           <a:prstGeom prst="rect">
             <a:avLst/>
@@ -12018,7 +12018,7 @@
         <p:spPr>
           <a:xfrm>
             <a:off x="343800" y="1651320"/>
-            <a:ext cx="3992760" cy="3071880"/>
+            <a:ext cx="3992400" cy="3071520"/>
           </a:xfrm>
           <a:prstGeom prst="rect">
             <a:avLst/>
@@ -12038,7 +12038,7 @@
         <p:spPr>
           <a:xfrm>
             <a:off x="4285800" y="2001960"/>
-            <a:ext cx="4439520" cy="3071880"/>
+            <a:ext cx="4439160" cy="3071520"/>
           </a:xfrm>
           <a:prstGeom prst="rect">
             <a:avLst/>
@@ -12058,7 +12058,7 @@
         <p:spPr>
           <a:xfrm>
             <a:off x="1308600" y="1437120"/>
-            <a:ext cx="6321600" cy="404280"/>
+            <a:ext cx="6321240" cy="403920"/>
           </a:xfrm>
           <a:prstGeom prst="rect">
             <a:avLst/>
@@ -12078,7 +12078,7 @@
         <p:spPr>
           <a:xfrm>
             <a:off x="388080" y="457920"/>
-            <a:ext cx="8361000" cy="684000"/>
+            <a:ext cx="8360640" cy="683640"/>
           </a:xfrm>
           <a:prstGeom prst="rect">
             <a:avLst/>
@@ -12118,7 +12118,7 @@
         <p:spPr>
           <a:xfrm>
             <a:off x="457200" y="1371600"/>
-            <a:ext cx="8045640" cy="948960"/>
+            <a:ext cx="8045280" cy="948600"/>
           </a:xfrm>
           <a:prstGeom prst="rect">
             <a:avLst/>
@@ -12158,7 +12158,7 @@
         <p:spPr>
           <a:xfrm>
             <a:off x="640080" y="2468880"/>
-            <a:ext cx="7954200" cy="2392920"/>
+            <a:ext cx="7953840" cy="2392560"/>
           </a:xfrm>
           <a:prstGeom prst="rect">
             <a:avLst/>
@@ -12518,7 +12518,7 @@
         <p:spPr>
           <a:xfrm>
             <a:off x="424800" y="597600"/>
-            <a:ext cx="8361000" cy="678960"/>
+            <a:ext cx="8360640" cy="678600"/>
           </a:xfrm>
           <a:prstGeom prst="rect">
             <a:avLst/>
@@ -12538,7 +12538,7 @@
         <p:spPr>
           <a:xfrm>
             <a:off x="343800" y="1651320"/>
-            <a:ext cx="3992760" cy="3071880"/>
+            <a:ext cx="3992400" cy="3071520"/>
           </a:xfrm>
           <a:prstGeom prst="rect">
             <a:avLst/>
@@ -12558,7 +12558,7 @@
         <p:spPr>
           <a:xfrm>
             <a:off x="4285800" y="2001960"/>
-            <a:ext cx="4439520" cy="3071880"/>
+            <a:ext cx="4439160" cy="3071520"/>
           </a:xfrm>
           <a:prstGeom prst="rect">
             <a:avLst/>
@@ -12578,7 +12578,7 @@
         <p:spPr>
           <a:xfrm>
             <a:off x="1308600" y="1437120"/>
-            <a:ext cx="6321600" cy="404280"/>
+            <a:ext cx="6321240" cy="403920"/>
           </a:xfrm>
           <a:prstGeom prst="rect">
             <a:avLst/>
@@ -12598,7 +12598,7 @@
         <p:spPr>
           <a:xfrm>
             <a:off x="388080" y="457920"/>
-            <a:ext cx="8361000" cy="684000"/>
+            <a:ext cx="8360640" cy="683640"/>
           </a:xfrm>
           <a:prstGeom prst="rect">
             <a:avLst/>
@@ -12644,7 +12644,7 @@
         <p:spPr>
           <a:xfrm>
             <a:off x="365760" y="1828800"/>
-            <a:ext cx="8502840" cy="1310040"/>
+            <a:ext cx="8502480" cy="1309680"/>
           </a:xfrm>
           <a:prstGeom prst="rect">
             <a:avLst/>
@@ -12663,7 +12663,7 @@
         <p:spPr>
           <a:xfrm>
             <a:off x="548640" y="1371600"/>
-            <a:ext cx="8228520" cy="317880"/>
+            <a:ext cx="8228160" cy="317520"/>
           </a:xfrm>
           <a:prstGeom prst="rect">
             <a:avLst/>
@@ -12704,7 +12704,7 @@
         <p:spPr>
           <a:xfrm>
             <a:off x="594720" y="3462840"/>
-            <a:ext cx="8091000" cy="1473840"/>
+            <a:ext cx="8090640" cy="1473480"/>
           </a:xfrm>
           <a:prstGeom prst="rect">
             <a:avLst/>
@@ -12772,7 +12772,7 @@
         <p:spPr>
           <a:xfrm>
             <a:off x="424800" y="597600"/>
-            <a:ext cx="8361000" cy="678960"/>
+            <a:ext cx="8360640" cy="678600"/>
           </a:xfrm>
           <a:prstGeom prst="rect">
             <a:avLst/>
@@ -12792,7 +12792,7 @@
         <p:spPr>
           <a:xfrm>
             <a:off x="343800" y="1651320"/>
-            <a:ext cx="3992760" cy="3071880"/>
+            <a:ext cx="3992400" cy="3071520"/>
           </a:xfrm>
           <a:prstGeom prst="rect">
             <a:avLst/>
@@ -12812,7 +12812,7 @@
         <p:spPr>
           <a:xfrm>
             <a:off x="4285800" y="2001960"/>
-            <a:ext cx="4439520" cy="3071880"/>
+            <a:ext cx="4439160" cy="3071520"/>
           </a:xfrm>
           <a:prstGeom prst="rect">
             <a:avLst/>
@@ -12832,7 +12832,7 @@
         <p:spPr>
           <a:xfrm>
             <a:off x="1308600" y="1437120"/>
-            <a:ext cx="6321600" cy="404280"/>
+            <a:ext cx="6321240" cy="403920"/>
           </a:xfrm>
           <a:prstGeom prst="rect">
             <a:avLst/>
@@ -12852,7 +12852,7 @@
         <p:spPr>
           <a:xfrm>
             <a:off x="388080" y="457920"/>
-            <a:ext cx="8361000" cy="684000"/>
+            <a:ext cx="8360640" cy="683640"/>
           </a:xfrm>
           <a:prstGeom prst="rect">
             <a:avLst/>
@@ -12898,7 +12898,7 @@
         <p:spPr>
           <a:xfrm>
             <a:off x="6583680" y="3657600"/>
-            <a:ext cx="2386440" cy="1376280"/>
+            <a:ext cx="2386080" cy="1375920"/>
           </a:xfrm>
           <a:prstGeom prst="rect">
             <a:avLst/>
@@ -12917,7 +12917,7 @@
         <p:spPr>
           <a:xfrm>
             <a:off x="457200" y="1371600"/>
-            <a:ext cx="8137080" cy="1235520"/>
+            <a:ext cx="8136720" cy="1235160"/>
           </a:xfrm>
           <a:prstGeom prst="rect">
             <a:avLst/>
@@ -12982,7 +12982,7 @@
         <p:spPr>
           <a:xfrm>
             <a:off x="457200" y="2834640"/>
-            <a:ext cx="6216840" cy="2392920"/>
+            <a:ext cx="6216480" cy="2392560"/>
           </a:xfrm>
           <a:prstGeom prst="rect">
             <a:avLst/>
@@ -13141,7 +13141,7 @@
         <p:spPr>
           <a:xfrm>
             <a:off x="424800" y="597600"/>
-            <a:ext cx="8361000" cy="678960"/>
+            <a:ext cx="8360640" cy="678600"/>
           </a:xfrm>
           <a:prstGeom prst="rect">
             <a:avLst/>
@@ -13161,7 +13161,7 @@
         <p:spPr>
           <a:xfrm>
             <a:off x="343800" y="1651320"/>
-            <a:ext cx="3992760" cy="3071880"/>
+            <a:ext cx="3992400" cy="3071520"/>
           </a:xfrm>
           <a:prstGeom prst="rect">
             <a:avLst/>
@@ -13181,7 +13181,7 @@
         <p:spPr>
           <a:xfrm>
             <a:off x="4285800" y="2001960"/>
-            <a:ext cx="4439520" cy="3071880"/>
+            <a:ext cx="4439160" cy="3071520"/>
           </a:xfrm>
           <a:prstGeom prst="rect">
             <a:avLst/>
@@ -13201,7 +13201,7 @@
         <p:spPr>
           <a:xfrm>
             <a:off x="1308600" y="1437120"/>
-            <a:ext cx="6321600" cy="404280"/>
+            <a:ext cx="6321240" cy="403920"/>
           </a:xfrm>
           <a:prstGeom prst="rect">
             <a:avLst/>
@@ -13221,7 +13221,7 @@
         <p:spPr>
           <a:xfrm>
             <a:off x="388080" y="457920"/>
-            <a:ext cx="8361000" cy="684000"/>
+            <a:ext cx="8360640" cy="683640"/>
           </a:xfrm>
           <a:prstGeom prst="rect">
             <a:avLst/>
@@ -13261,7 +13261,7 @@
         <p:spPr>
           <a:xfrm>
             <a:off x="373320" y="1737360"/>
-            <a:ext cx="4014720" cy="3290760"/>
+            <a:ext cx="4014360" cy="3290400"/>
           </a:xfrm>
           <a:prstGeom prst="rect">
             <a:avLst/>
@@ -13484,7 +13484,7 @@
         <p:spPr>
           <a:xfrm>
             <a:off x="4674240" y="1737360"/>
-            <a:ext cx="4014720" cy="1264320"/>
+            <a:ext cx="4014360" cy="1263960"/>
           </a:xfrm>
           <a:prstGeom prst="rect">
             <a:avLst/>
@@ -13567,7 +13567,7 @@
         <p:spPr>
           <a:xfrm>
             <a:off x="365760" y="1280160"/>
-            <a:ext cx="3839400" cy="345240"/>
+            <a:ext cx="3839040" cy="344880"/>
           </a:xfrm>
           <a:prstGeom prst="rect">
             <a:avLst/>
@@ -13602,7 +13602,7 @@
         <p:spPr>
           <a:xfrm>
             <a:off x="4579560" y="3672360"/>
-            <a:ext cx="4014720" cy="1264320"/>
+            <a:ext cx="4014360" cy="1263960"/>
           </a:xfrm>
           <a:prstGeom prst="rect">
             <a:avLst/>
@@ -13645,7 +13645,7 @@
         <p:spPr>
           <a:xfrm>
             <a:off x="4572000" y="1299600"/>
-            <a:ext cx="3839400" cy="345240"/>
+            <a:ext cx="3839040" cy="344880"/>
           </a:xfrm>
           <a:prstGeom prst="rect">
             <a:avLst/>
@@ -13680,7 +13680,7 @@
         <p:spPr>
           <a:xfrm>
             <a:off x="4572000" y="3128400"/>
-            <a:ext cx="3839400" cy="345240"/>
+            <a:ext cx="3839040" cy="344880"/>
           </a:xfrm>
           <a:prstGeom prst="rect">
             <a:avLst/>
@@ -13764,7 +13764,7 @@
         <p:spPr>
           <a:xfrm>
             <a:off x="424800" y="597600"/>
-            <a:ext cx="8361000" cy="678960"/>
+            <a:ext cx="8360640" cy="678600"/>
           </a:xfrm>
           <a:prstGeom prst="rect">
             <a:avLst/>
@@ -13784,7 +13784,7 @@
         <p:spPr>
           <a:xfrm>
             <a:off x="343800" y="1651320"/>
-            <a:ext cx="3992760" cy="3071880"/>
+            <a:ext cx="3992400" cy="3071520"/>
           </a:xfrm>
           <a:prstGeom prst="rect">
             <a:avLst/>
@@ -13804,7 +13804,7 @@
         <p:spPr>
           <a:xfrm>
             <a:off x="4285800" y="2001960"/>
-            <a:ext cx="4439520" cy="3071880"/>
+            <a:ext cx="4439160" cy="3071520"/>
           </a:xfrm>
           <a:prstGeom prst="rect">
             <a:avLst/>
@@ -13824,7 +13824,7 @@
         <p:spPr>
           <a:xfrm>
             <a:off x="1308600" y="1437120"/>
-            <a:ext cx="6321600" cy="404280"/>
+            <a:ext cx="6321240" cy="403920"/>
           </a:xfrm>
           <a:prstGeom prst="rect">
             <a:avLst/>
@@ -13844,7 +13844,7 @@
         <p:spPr>
           <a:xfrm>
             <a:off x="388080" y="457920"/>
-            <a:ext cx="8361000" cy="684000"/>
+            <a:ext cx="8360640" cy="683640"/>
           </a:xfrm>
           <a:prstGeom prst="rect">
             <a:avLst/>
@@ -13884,7 +13884,7 @@
         <p:spPr>
           <a:xfrm>
             <a:off x="457200" y="1598040"/>
-            <a:ext cx="8137080" cy="4387680"/>
+            <a:ext cx="8136720" cy="4387320"/>
           </a:xfrm>
           <a:prstGeom prst="rect">
             <a:avLst/>
@@ -14559,7 +14559,7 @@
         <p:spPr>
           <a:xfrm>
             <a:off x="424800" y="597600"/>
-            <a:ext cx="8361000" cy="678960"/>
+            <a:ext cx="8360640" cy="678600"/>
           </a:xfrm>
           <a:prstGeom prst="rect">
             <a:avLst/>
@@ -14579,7 +14579,7 @@
         <p:spPr>
           <a:xfrm>
             <a:off x="343800" y="1651320"/>
-            <a:ext cx="3992760" cy="3071880"/>
+            <a:ext cx="3992400" cy="3071520"/>
           </a:xfrm>
           <a:prstGeom prst="rect">
             <a:avLst/>
@@ -14599,7 +14599,7 @@
         <p:spPr>
           <a:xfrm>
             <a:off x="4285800" y="2001960"/>
-            <a:ext cx="4439520" cy="3071880"/>
+            <a:ext cx="4439160" cy="3071520"/>
           </a:xfrm>
           <a:prstGeom prst="rect">
             <a:avLst/>
@@ -14619,7 +14619,7 @@
         <p:spPr>
           <a:xfrm>
             <a:off x="1308600" y="1437120"/>
-            <a:ext cx="6321600" cy="404280"/>
+            <a:ext cx="6321240" cy="403920"/>
           </a:xfrm>
           <a:prstGeom prst="rect">
             <a:avLst/>
@@ -14639,7 +14639,7 @@
         <p:spPr>
           <a:xfrm>
             <a:off x="388080" y="457920"/>
-            <a:ext cx="8361000" cy="684000"/>
+            <a:ext cx="8360640" cy="683640"/>
           </a:xfrm>
           <a:prstGeom prst="rect">
             <a:avLst/>
@@ -14685,7 +14685,7 @@
         <p:spPr>
           <a:xfrm>
             <a:off x="7030440" y="4618800"/>
-            <a:ext cx="2021040" cy="409320"/>
+            <a:ext cx="2020680" cy="408960"/>
           </a:xfrm>
           <a:prstGeom prst="rect">
             <a:avLst/>
@@ -14704,7 +14704,7 @@
         <p:spPr>
           <a:xfrm>
             <a:off x="365760" y="1371600"/>
-            <a:ext cx="8411400" cy="3692160"/>
+            <a:ext cx="8411040" cy="3691800"/>
           </a:xfrm>
           <a:prstGeom prst="rect">
             <a:avLst/>
@@ -14927,7 +14927,7 @@
         <p:spPr>
           <a:xfrm>
             <a:off x="424800" y="597600"/>
-            <a:ext cx="8361000" cy="678960"/>
+            <a:ext cx="8360640" cy="678600"/>
           </a:xfrm>
           <a:prstGeom prst="rect">
             <a:avLst/>
@@ -14947,7 +14947,7 @@
         <p:spPr>
           <a:xfrm>
             <a:off x="343800" y="1651320"/>
-            <a:ext cx="3992760" cy="3071880"/>
+            <a:ext cx="3992400" cy="3071520"/>
           </a:xfrm>
           <a:prstGeom prst="rect">
             <a:avLst/>
@@ -14967,7 +14967,7 @@
         <p:spPr>
           <a:xfrm>
             <a:off x="4285800" y="2001960"/>
-            <a:ext cx="4439520" cy="3071880"/>
+            <a:ext cx="4439160" cy="3071520"/>
           </a:xfrm>
           <a:prstGeom prst="rect">
             <a:avLst/>
@@ -14987,7 +14987,7 @@
         <p:spPr>
           <a:xfrm>
             <a:off x="1308600" y="1437120"/>
-            <a:ext cx="6321600" cy="404280"/>
+            <a:ext cx="6321240" cy="403920"/>
           </a:xfrm>
           <a:prstGeom prst="rect">
             <a:avLst/>
@@ -15007,7 +15007,7 @@
         <p:spPr>
           <a:xfrm>
             <a:off x="388080" y="457920"/>
-            <a:ext cx="8361000" cy="684000"/>
+            <a:ext cx="8360640" cy="683640"/>
           </a:xfrm>
           <a:prstGeom prst="rect">
             <a:avLst/>
@@ -15053,7 +15053,7 @@
         <p:spPr>
           <a:xfrm>
             <a:off x="7030440" y="4618800"/>
-            <a:ext cx="2021040" cy="409320"/>
+            <a:ext cx="2020680" cy="408960"/>
           </a:xfrm>
           <a:prstGeom prst="rect">
             <a:avLst/>
@@ -15078,7 +15078,7 @@
         <p:spPr>
           <a:xfrm>
             <a:off x="532080" y="1922400"/>
-            <a:ext cx="4587480" cy="2648520"/>
+            <a:ext cx="4587120" cy="2648160"/>
           </a:xfrm>
           <a:prstGeom prst="rect">
             <a:avLst/>
@@ -15097,7 +15097,7 @@
         <p:spPr>
           <a:xfrm>
             <a:off x="5394960" y="1748520"/>
-            <a:ext cx="3839400" cy="2392920"/>
+            <a:ext cx="3839040" cy="2392560"/>
           </a:xfrm>
           <a:prstGeom prst="rect">
             <a:avLst/>
@@ -15186,7 +15186,7 @@
         <p:spPr>
           <a:xfrm>
             <a:off x="640080" y="1371600"/>
-            <a:ext cx="7497000" cy="375840"/>
+            <a:ext cx="7496640" cy="375480"/>
           </a:xfrm>
           <a:prstGeom prst="rect">
             <a:avLst/>
@@ -15270,7 +15270,7 @@
         <p:spPr>
           <a:xfrm>
             <a:off x="424800" y="597600"/>
-            <a:ext cx="8361000" cy="678960"/>
+            <a:ext cx="8360640" cy="678600"/>
           </a:xfrm>
           <a:prstGeom prst="rect">
             <a:avLst/>
@@ -15290,7 +15290,7 @@
         <p:spPr>
           <a:xfrm>
             <a:off x="343800" y="1651320"/>
-            <a:ext cx="3992760" cy="3071880"/>
+            <a:ext cx="3992400" cy="3071520"/>
           </a:xfrm>
           <a:prstGeom prst="rect">
             <a:avLst/>
@@ -15310,7 +15310,7 @@
         <p:spPr>
           <a:xfrm>
             <a:off x="4285800" y="2001960"/>
-            <a:ext cx="4439520" cy="3071880"/>
+            <a:ext cx="4439160" cy="3071520"/>
           </a:xfrm>
           <a:prstGeom prst="rect">
             <a:avLst/>
@@ -15330,7 +15330,7 @@
         <p:spPr>
           <a:xfrm>
             <a:off x="1308600" y="1437120"/>
-            <a:ext cx="6321600" cy="404280"/>
+            <a:ext cx="6321240" cy="403920"/>
           </a:xfrm>
           <a:prstGeom prst="rect">
             <a:avLst/>
@@ -15350,7 +15350,7 @@
         <p:spPr>
           <a:xfrm>
             <a:off x="388080" y="457920"/>
-            <a:ext cx="8361000" cy="684000"/>
+            <a:ext cx="8360640" cy="683640"/>
           </a:xfrm>
           <a:prstGeom prst="rect">
             <a:avLst/>
@@ -15396,7 +15396,7 @@
         <p:spPr>
           <a:xfrm>
             <a:off x="6675480" y="4388760"/>
-            <a:ext cx="2283840" cy="618840"/>
+            <a:ext cx="2283480" cy="618480"/>
           </a:xfrm>
           <a:prstGeom prst="rect">
             <a:avLst/>
@@ -15415,7 +15415,7 @@
         <p:spPr>
           <a:xfrm>
             <a:off x="548640" y="1439640"/>
-            <a:ext cx="7405560" cy="3463560"/>
+            <a:ext cx="7405200" cy="3463200"/>
           </a:xfrm>
           <a:prstGeom prst="rect">
             <a:avLst/>
@@ -15631,7 +15631,7 @@
         <p:spPr>
           <a:xfrm>
             <a:off x="4663440" y="2469240"/>
-            <a:ext cx="3043080" cy="1918440"/>
+            <a:ext cx="3042720" cy="1918080"/>
           </a:xfrm>
           <a:prstGeom prst="rect">
             <a:avLst/>
@@ -15799,7 +15799,7 @@
         <p:spPr>
           <a:xfrm>
             <a:off x="424800" y="597600"/>
-            <a:ext cx="8361000" cy="678960"/>
+            <a:ext cx="8360640" cy="678600"/>
           </a:xfrm>
           <a:prstGeom prst="rect">
             <a:avLst/>
@@ -15819,7 +15819,7 @@
         <p:spPr>
           <a:xfrm>
             <a:off x="343800" y="1651320"/>
-            <a:ext cx="3992760" cy="3071880"/>
+            <a:ext cx="3992400" cy="3071520"/>
           </a:xfrm>
           <a:prstGeom prst="rect">
             <a:avLst/>
@@ -15839,7 +15839,7 @@
         <p:spPr>
           <a:xfrm>
             <a:off x="4285800" y="2001960"/>
-            <a:ext cx="4439520" cy="3071880"/>
+            <a:ext cx="4439160" cy="3071520"/>
           </a:xfrm>
           <a:prstGeom prst="rect">
             <a:avLst/>
@@ -15859,7 +15859,7 @@
         <p:spPr>
           <a:xfrm>
             <a:off x="1308600" y="1437120"/>
-            <a:ext cx="6321600" cy="404280"/>
+            <a:ext cx="6321240" cy="403920"/>
           </a:xfrm>
           <a:prstGeom prst="rect">
             <a:avLst/>
@@ -15879,7 +15879,7 @@
         <p:spPr>
           <a:xfrm>
             <a:off x="388080" y="457920"/>
-            <a:ext cx="8361000" cy="684000"/>
+            <a:ext cx="8360640" cy="683640"/>
           </a:xfrm>
           <a:prstGeom prst="rect">
             <a:avLst/>
@@ -15925,7 +15925,7 @@
         <p:spPr>
           <a:xfrm>
             <a:off x="6675120" y="4480560"/>
-            <a:ext cx="2283840" cy="618840"/>
+            <a:ext cx="2283480" cy="618480"/>
           </a:xfrm>
           <a:prstGeom prst="rect">
             <a:avLst/>
@@ -15944,7 +15944,7 @@
         <p:spPr>
           <a:xfrm>
             <a:off x="548640" y="1439640"/>
-            <a:ext cx="7405560" cy="3463560"/>
+            <a:ext cx="7405200" cy="3463200"/>
           </a:xfrm>
           <a:prstGeom prst="rect">
             <a:avLst/>
@@ -16216,7 +16216,7 @@
         <p:spPr>
           <a:xfrm>
             <a:off x="490320" y="526320"/>
-            <a:ext cx="8007120" cy="4083480"/>
+            <a:ext cx="8006760" cy="4083120"/>
           </a:xfrm>
           <a:prstGeom prst="rect">
             <a:avLst/>
@@ -16588,7 +16588,7 @@
         <p:spPr>
           <a:xfrm>
             <a:off x="424800" y="597600"/>
-            <a:ext cx="8361000" cy="678960"/>
+            <a:ext cx="8360640" cy="678600"/>
           </a:xfrm>
           <a:prstGeom prst="rect">
             <a:avLst/>
@@ -16608,7 +16608,7 @@
         <p:spPr>
           <a:xfrm>
             <a:off x="343800" y="1651320"/>
-            <a:ext cx="3992760" cy="3071880"/>
+            <a:ext cx="3992400" cy="3071520"/>
           </a:xfrm>
           <a:prstGeom prst="rect">
             <a:avLst/>
@@ -16628,7 +16628,7 @@
         <p:spPr>
           <a:xfrm>
             <a:off x="4285800" y="2001960"/>
-            <a:ext cx="4439520" cy="3071880"/>
+            <a:ext cx="4439160" cy="3071520"/>
           </a:xfrm>
           <a:prstGeom prst="rect">
             <a:avLst/>
@@ -16648,7 +16648,7 @@
         <p:spPr>
           <a:xfrm>
             <a:off x="1308600" y="1437120"/>
-            <a:ext cx="6321600" cy="404280"/>
+            <a:ext cx="6321240" cy="403920"/>
           </a:xfrm>
           <a:prstGeom prst="rect">
             <a:avLst/>
@@ -16668,7 +16668,7 @@
         <p:spPr>
           <a:xfrm>
             <a:off x="388080" y="457920"/>
-            <a:ext cx="8361000" cy="684000"/>
+            <a:ext cx="8360640" cy="683640"/>
           </a:xfrm>
           <a:prstGeom prst="rect">
             <a:avLst/>
@@ -16708,7 +16708,7 @@
         <p:spPr>
           <a:xfrm>
             <a:off x="548640" y="1439640"/>
-            <a:ext cx="7405560" cy="3463560"/>
+            <a:ext cx="7405200" cy="3463200"/>
           </a:xfrm>
           <a:prstGeom prst="rect">
             <a:avLst/>
@@ -16926,7 +16926,7 @@
         <p:spPr>
           <a:xfrm>
             <a:off x="2834640" y="2743200"/>
-            <a:ext cx="5668560" cy="1666080"/>
+            <a:ext cx="5668200" cy="1665720"/>
           </a:xfrm>
           <a:prstGeom prst="rect">
             <a:avLst/>
@@ -17082,7 +17082,7 @@
         <p:spPr>
           <a:xfrm>
             <a:off x="424800" y="597600"/>
-            <a:ext cx="8361000" cy="678960"/>
+            <a:ext cx="8360640" cy="678600"/>
           </a:xfrm>
           <a:prstGeom prst="rect">
             <a:avLst/>
@@ -17102,7 +17102,7 @@
         <p:spPr>
           <a:xfrm>
             <a:off x="343800" y="1651320"/>
-            <a:ext cx="3992760" cy="3071880"/>
+            <a:ext cx="3992400" cy="3071520"/>
           </a:xfrm>
           <a:prstGeom prst="rect">
             <a:avLst/>
@@ -17122,7 +17122,7 @@
         <p:spPr>
           <a:xfrm>
             <a:off x="4285800" y="2001960"/>
-            <a:ext cx="4439520" cy="3071880"/>
+            <a:ext cx="4439160" cy="3071520"/>
           </a:xfrm>
           <a:prstGeom prst="rect">
             <a:avLst/>
@@ -17142,7 +17142,7 @@
         <p:spPr>
           <a:xfrm>
             <a:off x="1308600" y="1437120"/>
-            <a:ext cx="6321600" cy="404280"/>
+            <a:ext cx="6321240" cy="403920"/>
           </a:xfrm>
           <a:prstGeom prst="rect">
             <a:avLst/>
@@ -17162,7 +17162,7 @@
         <p:spPr>
           <a:xfrm>
             <a:off x="388080" y="457920"/>
-            <a:ext cx="8361000" cy="684000"/>
+            <a:ext cx="8360640" cy="683640"/>
           </a:xfrm>
           <a:prstGeom prst="rect">
             <a:avLst/>
@@ -17202,7 +17202,7 @@
         <p:spPr>
           <a:xfrm>
             <a:off x="548640" y="1280160"/>
-            <a:ext cx="7405560" cy="3623040"/>
+            <a:ext cx="7405200" cy="3622680"/>
           </a:xfrm>
           <a:prstGeom prst="rect">
             <a:avLst/>
@@ -17874,7 +17874,7 @@
         <p:spPr>
           <a:xfrm>
             <a:off x="424800" y="597600"/>
-            <a:ext cx="8361000" cy="678960"/>
+            <a:ext cx="8360640" cy="678600"/>
           </a:xfrm>
           <a:prstGeom prst="rect">
             <a:avLst/>
@@ -17894,7 +17894,7 @@
         <p:spPr>
           <a:xfrm>
             <a:off x="343800" y="1651320"/>
-            <a:ext cx="3992760" cy="3071880"/>
+            <a:ext cx="3992400" cy="3071520"/>
           </a:xfrm>
           <a:prstGeom prst="rect">
             <a:avLst/>
@@ -17914,7 +17914,7 @@
         <p:spPr>
           <a:xfrm>
             <a:off x="4285800" y="2001960"/>
-            <a:ext cx="4439520" cy="3071880"/>
+            <a:ext cx="4439160" cy="3071520"/>
           </a:xfrm>
           <a:prstGeom prst="rect">
             <a:avLst/>
@@ -17934,7 +17934,7 @@
         <p:spPr>
           <a:xfrm>
             <a:off x="1308600" y="1437120"/>
-            <a:ext cx="6321600" cy="404280"/>
+            <a:ext cx="6321240" cy="403920"/>
           </a:xfrm>
           <a:prstGeom prst="rect">
             <a:avLst/>
@@ -17954,7 +17954,7 @@
         <p:spPr>
           <a:xfrm>
             <a:off x="388080" y="457920"/>
-            <a:ext cx="8361000" cy="684000"/>
+            <a:ext cx="8360640" cy="683640"/>
           </a:xfrm>
           <a:prstGeom prst="rect">
             <a:avLst/>
@@ -17994,7 +17994,7 @@
         <p:spPr>
           <a:xfrm>
             <a:off x="548640" y="1280160"/>
-            <a:ext cx="7405560" cy="3623040"/>
+            <a:ext cx="7405200" cy="3622680"/>
           </a:xfrm>
           <a:prstGeom prst="rect">
             <a:avLst/>
@@ -18039,7 +18039,7 @@
         <p:spPr>
           <a:xfrm>
             <a:off x="1097280" y="1604520"/>
-            <a:ext cx="6904800" cy="3332880"/>
+            <a:ext cx="6904440" cy="3332520"/>
           </a:xfrm>
           <a:prstGeom prst="rect">
             <a:avLst/>
@@ -18107,7 +18107,7 @@
         <p:spPr>
           <a:xfrm>
             <a:off x="388080" y="457920"/>
-            <a:ext cx="8361000" cy="684000"/>
+            <a:ext cx="8360640" cy="683640"/>
           </a:xfrm>
           <a:prstGeom prst="rect">
             <a:avLst/>
@@ -18147,7 +18147,7 @@
         <p:spPr>
           <a:xfrm>
             <a:off x="388080" y="1325160"/>
-            <a:ext cx="5828040" cy="3395160"/>
+            <a:ext cx="5827680" cy="3394800"/>
           </a:xfrm>
           <a:prstGeom prst="rect">
             <a:avLst/>
@@ -18218,16 +18218,7 @@
                 </a:solidFill>
                 <a:latin typeface="Arial"/>
               </a:rPr>
-              <a:t>D</a:t>
-            </a:r>
-            <a:r>
-              <a:rPr lang="en-US" sz="1400">
-                <a:solidFill>
-                  <a:srgbClr val="009999"/>
-                </a:solidFill>
-                <a:latin typeface="Arial"/>
-              </a:rPr>
-              <a:t>ockerfile</a:t>
+              <a:t>Dockerfile</a:t>
             </a:r>
             <a:endParaRPr/>
           </a:p>
@@ -18374,7 +18365,7 @@
         <p:spPr>
           <a:xfrm>
             <a:off x="6487560" y="2377440"/>
-            <a:ext cx="1283040" cy="1095480"/>
+            <a:ext cx="1282680" cy="1095120"/>
           </a:xfrm>
           <a:prstGeom prst="rect">
             <a:avLst/>
@@ -18386,23 +18377,31 @@
       </p:pic>
       <p:sp>
         <p:nvSpPr>
-          <p:cNvPr id="446" name="TextShape 3"/>
-          <p:cNvSpPr txBox="1"/>
+          <p:cNvPr id="446" name="CustomShape 3"/>
+          <p:cNvSpPr/>
           <p:nvPr/>
         </p:nvSpPr>
         <p:spPr>
           <a:xfrm>
             <a:off x="640080" y="1463040"/>
-            <a:ext cx="7680960" cy="402840"/>
-          </a:xfrm>
-          <a:prstGeom prst="rect">
-            <a:avLst/>
-          </a:prstGeom>
+            <a:ext cx="7680600" cy="402480"/>
+          </a:xfrm>
+          <a:prstGeom prst="rect">
+            <a:avLst/>
+          </a:prstGeom>
+          <a:noFill/>
+          <a:ln>
+            <a:noFill/>
+          </a:ln>
         </p:spPr>
         <p:txBody>
           <a:bodyPr lIns="90000" rIns="90000" tIns="45000" bIns="45000"/>
           <a:p>
-            <a:pPr algn="ctr"/>
+            <a:pPr algn="ctr">
+              <a:lnSpc>
+                <a:spcPct val="100000"/>
+              </a:lnSpc>
+            </a:pPr>
             <a:r>
               <a:rPr lang="en-US" sz="2200">
                 <a:solidFill>
@@ -18474,7 +18473,7 @@
         <p:spPr>
           <a:xfrm>
             <a:off x="388080" y="457920"/>
-            <a:ext cx="8361000" cy="684000"/>
+            <a:ext cx="8360640" cy="683640"/>
           </a:xfrm>
           <a:prstGeom prst="rect">
             <a:avLst/>
@@ -18514,7 +18513,7 @@
         <p:spPr>
           <a:xfrm>
             <a:off x="388080" y="1325160"/>
-            <a:ext cx="5828040" cy="3395160"/>
+            <a:ext cx="5827680" cy="3394800"/>
           </a:xfrm>
           <a:prstGeom prst="rect">
             <a:avLst/>
@@ -18888,7 +18887,7 @@
         <p:spPr>
           <a:xfrm>
             <a:off x="6487560" y="2377440"/>
-            <a:ext cx="1283040" cy="1095480"/>
+            <a:ext cx="1282680" cy="1095120"/>
           </a:xfrm>
           <a:prstGeom prst="rect">
             <a:avLst/>
@@ -18956,7 +18955,7 @@
         <p:spPr>
           <a:xfrm>
             <a:off x="388080" y="457920"/>
-            <a:ext cx="8361000" cy="684000"/>
+            <a:ext cx="8360640" cy="683640"/>
           </a:xfrm>
           <a:prstGeom prst="rect">
             <a:avLst/>
@@ -18996,7 +18995,7 @@
         <p:spPr>
           <a:xfrm>
             <a:off x="365760" y="914400"/>
-            <a:ext cx="8296920" cy="4237920"/>
+            <a:ext cx="8296560" cy="4237560"/>
           </a:xfrm>
           <a:prstGeom prst="rect">
             <a:avLst/>
@@ -19779,7 +19778,7 @@
         <p:spPr>
           <a:xfrm>
             <a:off x="388080" y="457920"/>
-            <a:ext cx="8361000" cy="684000"/>
+            <a:ext cx="8360640" cy="683640"/>
           </a:xfrm>
           <a:prstGeom prst="rect">
             <a:avLst/>
@@ -19819,7 +19818,7 @@
         <p:spPr>
           <a:xfrm>
             <a:off x="388080" y="1489680"/>
-            <a:ext cx="8388360" cy="3071880"/>
+            <a:ext cx="8388000" cy="3071520"/>
           </a:xfrm>
           <a:prstGeom prst="rect">
             <a:avLst/>
@@ -19965,7 +19964,7 @@
         <p:spPr>
           <a:xfrm>
             <a:off x="6675480" y="4389120"/>
-            <a:ext cx="2283840" cy="618840"/>
+            <a:ext cx="2283480" cy="618480"/>
           </a:xfrm>
           <a:prstGeom prst="rect">
             <a:avLst/>
@@ -20033,7 +20032,7 @@
         <p:spPr>
           <a:xfrm>
             <a:off x="388080" y="457920"/>
-            <a:ext cx="8361000" cy="684000"/>
+            <a:ext cx="8360640" cy="683640"/>
           </a:xfrm>
           <a:prstGeom prst="rect">
             <a:avLst/>
@@ -20073,7 +20072,7 @@
         <p:spPr>
           <a:xfrm>
             <a:off x="479880" y="1498320"/>
-            <a:ext cx="5919120" cy="3071880"/>
+            <a:ext cx="5918760" cy="3071520"/>
           </a:xfrm>
           <a:prstGeom prst="rect">
             <a:avLst/>
@@ -20262,7 +20261,7 @@
         <p:spPr>
           <a:xfrm>
             <a:off x="6035040" y="3566160"/>
-            <a:ext cx="2933280" cy="1465560"/>
+            <a:ext cx="2932920" cy="1465200"/>
           </a:xfrm>
           <a:prstGeom prst="rect">
             <a:avLst/>
@@ -20330,7 +20329,7 @@
         <p:spPr>
           <a:xfrm>
             <a:off x="388080" y="457920"/>
-            <a:ext cx="8361000" cy="684000"/>
+            <a:ext cx="8360640" cy="683640"/>
           </a:xfrm>
           <a:prstGeom prst="rect">
             <a:avLst/>
@@ -20370,7 +20369,7 @@
         <p:spPr>
           <a:xfrm>
             <a:off x="388080" y="1488240"/>
-            <a:ext cx="8296920" cy="3071880"/>
+            <a:ext cx="8296560" cy="3071520"/>
           </a:xfrm>
           <a:prstGeom prst="rect">
             <a:avLst/>
@@ -20672,7 +20671,7 @@
         <p:spPr>
           <a:xfrm>
             <a:off x="6035040" y="2370960"/>
-            <a:ext cx="2386440" cy="1376280"/>
+            <a:ext cx="2386080" cy="1375920"/>
           </a:xfrm>
           <a:prstGeom prst="rect">
             <a:avLst/>
@@ -20740,7 +20739,7 @@
         <p:spPr>
           <a:xfrm>
             <a:off x="388080" y="457920"/>
-            <a:ext cx="8361000" cy="684000"/>
+            <a:ext cx="8360640" cy="683640"/>
           </a:xfrm>
           <a:prstGeom prst="rect">
             <a:avLst/>
@@ -20780,7 +20779,7 @@
         <p:spPr>
           <a:xfrm>
             <a:off x="388080" y="1683000"/>
-            <a:ext cx="8296920" cy="3071880"/>
+            <a:ext cx="8296560" cy="3071520"/>
           </a:xfrm>
           <a:prstGeom prst="rect">
             <a:avLst/>
@@ -21325,7 +21324,7 @@
         <p:spPr>
           <a:xfrm>
             <a:off x="5886360" y="2834640"/>
-            <a:ext cx="2800080" cy="1982880"/>
+            <a:ext cx="2799720" cy="1982520"/>
           </a:xfrm>
           <a:prstGeom prst="rect">
             <a:avLst/>
@@ -21414,7 +21413,7 @@
         <p:spPr>
           <a:xfrm>
             <a:off x="388080" y="457920"/>
-            <a:ext cx="8361000" cy="678960"/>
+            <a:ext cx="8360640" cy="678600"/>
           </a:xfrm>
           <a:prstGeom prst="rect">
             <a:avLst/>
@@ -21434,7 +21433,7 @@
         <p:spPr>
           <a:xfrm>
             <a:off x="277560" y="1658880"/>
-            <a:ext cx="3992760" cy="3071880"/>
+            <a:ext cx="3992400" cy="3071520"/>
           </a:xfrm>
           <a:prstGeom prst="rect">
             <a:avLst/>
@@ -21454,7 +21453,7 @@
         <p:spPr>
           <a:xfrm>
             <a:off x="388080" y="457920"/>
-            <a:ext cx="8361000" cy="684000"/>
+            <a:ext cx="8360640" cy="683640"/>
           </a:xfrm>
           <a:prstGeom prst="rect">
             <a:avLst/>
@@ -21494,7 +21493,7 @@
         <p:spPr>
           <a:xfrm>
             <a:off x="388080" y="1645920"/>
-            <a:ext cx="8480520" cy="3071880"/>
+            <a:ext cx="8480160" cy="3071520"/>
           </a:xfrm>
           <a:prstGeom prst="rect">
             <a:avLst/>
@@ -21583,7 +21582,7 @@
         <p:spPr>
           <a:xfrm>
             <a:off x="388080" y="457920"/>
-            <a:ext cx="8361000" cy="684000"/>
+            <a:ext cx="8360640" cy="683640"/>
           </a:xfrm>
           <a:prstGeom prst="rect">
             <a:avLst/>
@@ -21623,7 +21622,7 @@
         <p:spPr>
           <a:xfrm>
             <a:off x="388080" y="1683000"/>
-            <a:ext cx="8296920" cy="3071880"/>
+            <a:ext cx="8296560" cy="3071520"/>
           </a:xfrm>
           <a:prstGeom prst="rect">
             <a:avLst/>
@@ -21961,16 +21960,7 @@
                 </a:solidFill>
                 <a:latin typeface="Arial"/>
               </a:rPr>
-              <a:t>В качестве плагина для модели(схемы) мы используем </a:t>
-            </a:r>
-            <a:r>
-              <a:rPr lang="en-US" sz="1200">
-                <a:solidFill>
-                  <a:srgbClr val="dddddd"/>
-                </a:solidFill>
-                <a:latin typeface="Arial"/>
-              </a:rPr>
-              <a:t>'</a:t>
+              <a:t>В качестве плагина для модели(схемы) мы используем '</a:t>
             </a:r>
             <a:r>
               <a:rPr lang="en-US" sz="1200">
@@ -22148,7 +22138,7 @@
         <p:spPr>
           <a:xfrm>
             <a:off x="388080" y="457920"/>
-            <a:ext cx="8361000" cy="684000"/>
+            <a:ext cx="8360640" cy="683640"/>
           </a:xfrm>
           <a:prstGeom prst="rect">
             <a:avLst/>
@@ -22188,7 +22178,7 @@
         <p:spPr>
           <a:xfrm>
             <a:off x="388080" y="1683000"/>
-            <a:ext cx="8296920" cy="3071880"/>
+            <a:ext cx="8296560" cy="3071520"/>
           </a:xfrm>
           <a:prstGeom prst="rect">
             <a:avLst/>
@@ -22752,7 +22742,7 @@
         <p:spPr>
           <a:xfrm>
             <a:off x="388080" y="457920"/>
-            <a:ext cx="8361000" cy="684000"/>
+            <a:ext cx="8360640" cy="683640"/>
           </a:xfrm>
           <a:prstGeom prst="rect">
             <a:avLst/>
@@ -22792,7 +22782,7 @@
         <p:spPr>
           <a:xfrm>
             <a:off x="388080" y="1488240"/>
-            <a:ext cx="8296920" cy="3071880"/>
+            <a:ext cx="8296560" cy="3071520"/>
           </a:xfrm>
           <a:prstGeom prst="rect">
             <a:avLst/>
@@ -22830,7 +22820,7 @@
         <p:spPr>
           <a:xfrm>
             <a:off x="1645920" y="1359720"/>
-            <a:ext cx="6139440" cy="3669120"/>
+            <a:ext cx="6139080" cy="3668760"/>
           </a:xfrm>
           <a:prstGeom prst="rect">
             <a:avLst/>
@@ -22898,7 +22888,7 @@
         <p:spPr>
           <a:xfrm>
             <a:off x="388080" y="457920"/>
-            <a:ext cx="8361000" cy="684000"/>
+            <a:ext cx="8360640" cy="683640"/>
           </a:xfrm>
           <a:prstGeom prst="rect">
             <a:avLst/>
@@ -22938,7 +22928,7 @@
         <p:spPr>
           <a:xfrm>
             <a:off x="365760" y="1774440"/>
-            <a:ext cx="8296920" cy="3071880"/>
+            <a:ext cx="8296560" cy="3071520"/>
           </a:xfrm>
           <a:prstGeom prst="rect">
             <a:avLst/>
@@ -23480,7 +23470,7 @@
         <p:spPr>
           <a:xfrm>
             <a:off x="6665760" y="4206240"/>
-            <a:ext cx="2021040" cy="409320"/>
+            <a:ext cx="2020680" cy="408960"/>
           </a:xfrm>
           <a:prstGeom prst="rect">
             <a:avLst/>
@@ -23492,18 +23482,22 @@
       </p:pic>
       <p:sp>
         <p:nvSpPr>
-          <p:cNvPr id="474" name="TextShape 3"/>
-          <p:cNvSpPr txBox="1"/>
+          <p:cNvPr id="474" name="CustomShape 3"/>
+          <p:cNvSpPr/>
           <p:nvPr/>
         </p:nvSpPr>
         <p:spPr>
           <a:xfrm>
             <a:off x="5943600" y="2676600"/>
-            <a:ext cx="2926080" cy="889560"/>
-          </a:xfrm>
-          <a:prstGeom prst="rect">
-            <a:avLst/>
-          </a:prstGeom>
+            <a:ext cx="2925720" cy="889200"/>
+          </a:xfrm>
+          <a:prstGeom prst="rect">
+            <a:avLst/>
+          </a:prstGeom>
+          <a:noFill/>
+          <a:ln>
+            <a:noFill/>
+          </a:ln>
         </p:spPr>
         <p:txBody>
           <a:bodyPr lIns="90000" rIns="90000" tIns="45000" bIns="45000"/>
@@ -23579,7 +23573,7 @@
         <p:spPr>
           <a:xfrm>
             <a:off x="388080" y="457920"/>
-            <a:ext cx="8361000" cy="684000"/>
+            <a:ext cx="8360640" cy="683640"/>
           </a:xfrm>
           <a:prstGeom prst="rect">
             <a:avLst/>
@@ -23619,7 +23613,7 @@
         <p:spPr>
           <a:xfrm>
             <a:off x="365760" y="1774440"/>
-            <a:ext cx="8296920" cy="3071880"/>
+            <a:ext cx="8296560" cy="3071520"/>
           </a:xfrm>
           <a:prstGeom prst="rect">
             <a:avLst/>
@@ -24398,7 +24392,7 @@
         <p:spPr>
           <a:xfrm>
             <a:off x="6665760" y="4206240"/>
-            <a:ext cx="2021040" cy="409320"/>
+            <a:ext cx="2020680" cy="408960"/>
           </a:xfrm>
           <a:prstGeom prst="rect">
             <a:avLst/>
@@ -24410,18 +24404,22 @@
       </p:pic>
       <p:sp>
         <p:nvSpPr>
-          <p:cNvPr id="478" name="TextShape 3"/>
-          <p:cNvSpPr txBox="1"/>
+          <p:cNvPr id="478" name="CustomShape 3"/>
+          <p:cNvSpPr/>
           <p:nvPr/>
         </p:nvSpPr>
         <p:spPr>
           <a:xfrm>
             <a:off x="5943600" y="2676600"/>
-            <a:ext cx="2926080" cy="889560"/>
-          </a:xfrm>
-          <a:prstGeom prst="rect">
-            <a:avLst/>
-          </a:prstGeom>
+            <a:ext cx="2925720" cy="889200"/>
+          </a:xfrm>
+          <a:prstGeom prst="rect">
+            <a:avLst/>
+          </a:prstGeom>
+          <a:noFill/>
+          <a:ln>
+            <a:noFill/>
+          </a:ln>
         </p:spPr>
         <p:txBody>
           <a:bodyPr lIns="90000" rIns="90000" tIns="45000" bIns="45000"/>
@@ -24497,7 +24495,7 @@
         <p:spPr>
           <a:xfrm>
             <a:off x="388080" y="457920"/>
-            <a:ext cx="8361000" cy="684000"/>
+            <a:ext cx="8360640" cy="683640"/>
           </a:xfrm>
           <a:prstGeom prst="rect">
             <a:avLst/>
@@ -24543,7 +24541,7 @@
         <p:spPr>
           <a:xfrm>
             <a:off x="731520" y="1350720"/>
-            <a:ext cx="7770600" cy="3791160"/>
+            <a:ext cx="7770240" cy="3790800"/>
           </a:xfrm>
           <a:prstGeom prst="rect">
             <a:avLst/>
@@ -24611,7 +24609,7 @@
         <p:spPr>
           <a:xfrm>
             <a:off x="388080" y="457920"/>
-            <a:ext cx="8361000" cy="684000"/>
+            <a:ext cx="8360640" cy="683640"/>
           </a:xfrm>
           <a:prstGeom prst="rect">
             <a:avLst/>
@@ -24651,7 +24649,7 @@
         <p:spPr>
           <a:xfrm>
             <a:off x="457560" y="905400"/>
-            <a:ext cx="8227800" cy="4349160"/>
+            <a:ext cx="8227440" cy="4348800"/>
           </a:xfrm>
           <a:prstGeom prst="rect">
             <a:avLst/>
@@ -24894,7 +24892,7 @@
         <p:spPr>
           <a:xfrm>
             <a:off x="388080" y="457920"/>
-            <a:ext cx="8361000" cy="682920"/>
+            <a:ext cx="8360640" cy="682560"/>
           </a:xfrm>
           <a:prstGeom prst="rect">
             <a:avLst/>
@@ -24935,7 +24933,7 @@
         <p:spPr>
           <a:xfrm>
             <a:off x="457200" y="1463040"/>
-            <a:ext cx="8592480" cy="2391120"/>
+            <a:ext cx="8592120" cy="2390760"/>
           </a:xfrm>
           <a:prstGeom prst="rect">
             <a:avLst/>
@@ -24955,7 +24953,7 @@
         <p:spPr>
           <a:xfrm>
             <a:off x="731520" y="1554480"/>
-            <a:ext cx="7863120" cy="345600"/>
+            <a:ext cx="7862760" cy="345240"/>
           </a:xfrm>
           <a:prstGeom prst="rect">
             <a:avLst/>
@@ -24975,6 +24973,18 @@
                 </a:solidFill>
                 <a:latin typeface="Arial"/>
               </a:rPr>
+              <a:t>Позволяет создать простое решение с открытым исходным кодом, которое можно использовать для создания надежных и поддерживаемых решений.</a:t>
+            </a:r>
+            <a:endParaRPr/>
+          </a:p>
+          <a:p>
+            <a:r>
+              <a:rPr lang="en-US">
+                <a:solidFill>
+                  <a:srgbClr val="dddddd"/>
+                </a:solidFill>
+                <a:latin typeface="Arial"/>
+              </a:rPr>
               <a:t>Возможность писать фул-стак приложение на Javascript</a:t>
             </a:r>
             <a:endParaRPr/>
@@ -24987,7 +24997,7 @@
                 </a:solidFill>
                 <a:latin typeface="Arial"/>
               </a:rPr>
-              <a:t>Mодульность node с клиентскими и серверными файлами внутри модулей</a:t>
+              <a:t>Использует очень низкий объем памяти, а Node.js упрощает сервер</a:t>
             </a:r>
             <a:endParaRPr/>
           </a:p>
@@ -24999,7 +25009,7 @@
                 </a:solidFill>
                 <a:latin typeface="Arial"/>
               </a:rPr>
-              <a:t>Простота, мобильность и гибкость</a:t>
+              <a:t>Mодульность node с клиентскими и серверными файлами</a:t>
             </a:r>
             <a:endParaRPr/>
           </a:p>
@@ -25011,16 +25021,7 @@
                 </a:solidFill>
                 <a:latin typeface="Arial"/>
               </a:rPr>
-              <a:t>Разработка </a:t>
-            </a:r>
-            <a:r>
-              <a:rPr lang="en-US">
-                <a:solidFill>
-                  <a:srgbClr val="009999"/>
-                </a:solidFill>
-                <a:latin typeface="Arial"/>
-              </a:rPr>
-              <a:t>cloud-native applications</a:t>
+              <a:t>MongoDB построен для облака</a:t>
             </a:r>
             <a:endParaRPr/>
           </a:p>
@@ -25087,7 +25088,7 @@
         <p:spPr>
           <a:xfrm>
             <a:off x="388080" y="457920"/>
-            <a:ext cx="8361000" cy="682920"/>
+            <a:ext cx="8360640" cy="682560"/>
           </a:xfrm>
           <a:prstGeom prst="rect">
             <a:avLst/>
@@ -25128,7 +25129,7 @@
         <p:spPr>
           <a:xfrm>
             <a:off x="547920" y="1463040"/>
-            <a:ext cx="8410320" cy="2135160"/>
+            <a:ext cx="8409960" cy="2134800"/>
           </a:xfrm>
           <a:prstGeom prst="rect">
             <a:avLst/>
@@ -25167,7 +25168,7 @@
         <p:spPr>
           <a:xfrm>
             <a:off x="731520" y="1478520"/>
-            <a:ext cx="7863120" cy="345600"/>
+            <a:ext cx="7862760" cy="345240"/>
           </a:xfrm>
           <a:prstGeom prst="rect">
             <a:avLst/>
@@ -25207,8 +25208,8 @@
         </p:blipFill>
         <p:spPr>
           <a:xfrm>
-            <a:off x="750240" y="1914840"/>
-            <a:ext cx="4461120" cy="2747880"/>
+            <a:off x="477000" y="1920240"/>
+            <a:ext cx="4460760" cy="2747520"/>
           </a:xfrm>
           <a:prstGeom prst="rect">
             <a:avLst/>
@@ -25226,8 +25227,8 @@
         </p:nvSpPr>
         <p:spPr>
           <a:xfrm>
-            <a:off x="5852160" y="2011680"/>
-            <a:ext cx="2742480" cy="857520"/>
+            <a:off x="5120640" y="2011680"/>
+            <a:ext cx="3749040" cy="857160"/>
           </a:xfrm>
           <a:prstGeom prst="rect">
             <a:avLst/>
@@ -25259,7 +25260,31 @@
                 </a:solidFill>
                 <a:latin typeface="Arial"/>
               </a:rPr>
-              <a:t>Зависит от типа приложения, так возможно использование любых других SPA- framework (React), смена NoSQL database на MySQL использую ORM Sequelize</a:t>
+              <a:t>Зависит от типа приложения, так возможно использование любых других SPA- framework (React), смена NoSQL database на MySQL используюя ORM Sequelize</a:t>
+            </a:r>
+            <a:endParaRPr/>
+          </a:p>
+          <a:p>
+            <a:r>
+              <a:rPr lang="en-US" sz="1400">
+                <a:solidFill>
+                  <a:srgbClr val="dddddd"/>
+                </a:solidFill>
+                <a:latin typeface="Arial"/>
+              </a:rPr>
+              <a:t>После того, как вы разработали первый сайт с использованием технологии Mean стека, очень сложно вернуться к старому подходу.</a:t>
+            </a:r>
+            <a:endParaRPr/>
+          </a:p>
+          <a:p>
+            <a:r>
+              <a:rPr lang="en-US" sz="1400">
+                <a:solidFill>
+                  <a:srgbClr val="dddddd"/>
+                </a:solidFill>
+                <a:latin typeface="Arial"/>
+              </a:rPr>
+              <a:t>Нет конкретных общих руководящих принципов кодирования JS</a:t>
             </a:r>
             <a:endParaRPr/>
           </a:p>
@@ -25323,7 +25348,7 @@
         <p:spPr>
           <a:xfrm>
             <a:off x="388080" y="457920"/>
-            <a:ext cx="8361000" cy="682920"/>
+            <a:ext cx="8360640" cy="682560"/>
           </a:xfrm>
           <a:prstGeom prst="rect">
             <a:avLst/>
@@ -25364,7 +25389,7 @@
         <p:spPr>
           <a:xfrm>
             <a:off x="845280" y="1624320"/>
-            <a:ext cx="7340400" cy="2680200"/>
+            <a:ext cx="7340040" cy="2679840"/>
           </a:xfrm>
           <a:prstGeom prst="rect">
             <a:avLst/>
@@ -25374,6 +25399,52 @@
             <a:noFill/>
           </a:ln>
         </p:spPr>
+      </p:sp>
+      <p:sp>
+        <p:nvSpPr>
+          <p:cNvPr id="493" name="TextShape 3"/>
+          <p:cNvSpPr txBox="1"/>
+          <p:nvPr/>
+        </p:nvSpPr>
+        <p:spPr>
+          <a:xfrm>
+            <a:off x="457200" y="1463040"/>
+            <a:ext cx="8321040" cy="2649960"/>
+          </a:xfrm>
+          <a:prstGeom prst="rect">
+            <a:avLst/>
+          </a:prstGeom>
+        </p:spPr>
+        <p:txBody>
+          <a:bodyPr lIns="90000" rIns="90000" tIns="45000" bIns="45000"/>
+          <a:p>
+            <a:r>
+              <a:rPr lang="en-US">
+                <a:solidFill>
+                  <a:srgbClr val="eeeeee"/>
+                </a:solidFill>
+                <a:latin typeface="Arial"/>
+              </a:rPr>
+              <a:t>MEAN - это удобный стек, который является идеальным решением для создания динамических веб-сайтов и приложений.</a:t>
+            </a:r>
+            <a:endParaRPr/>
+          </a:p>
+          <a:p>
+            <a:r>
+              <a:rPr lang="en-US">
+                <a:solidFill>
+                  <a:srgbClr val="eeeeee"/>
+                </a:solidFill>
+                <a:latin typeface="Arial"/>
+              </a:rPr>
+              <a:t>Архитектура Mean Stck состоит из MongoDB, Express JS, Angular JS и NodeJS. Это концепция, появившаяся несколько лет назад с растущей популярностью этих современных технологий веб-приложений и столь популярных одностраничных приложений. Благодаря высокой производительности NodeJS в качестве Back-end, и Angular в качестве Front-end и MongoDB в качестве базы данных у нас есть мощная комбинация для работы</a:t>
+            </a:r>
+            <a:endParaRPr/>
+          </a:p>
+          <a:p>
+            <a:endParaRPr/>
+          </a:p>
+        </p:txBody>
       </p:sp>
     </p:spTree>
   </p:cSld>
@@ -25433,7 +25504,7 @@
         <p:spPr>
           <a:xfrm>
             <a:off x="388080" y="457920"/>
-            <a:ext cx="8361000" cy="678960"/>
+            <a:ext cx="8360640" cy="678600"/>
           </a:xfrm>
           <a:prstGeom prst="rect">
             <a:avLst/>
@@ -25453,7 +25524,7 @@
         <p:spPr>
           <a:xfrm>
             <a:off x="277560" y="1658880"/>
-            <a:ext cx="3992760" cy="3071880"/>
+            <a:ext cx="3992400" cy="3071520"/>
           </a:xfrm>
           <a:prstGeom prst="rect">
             <a:avLst/>
@@ -25473,7 +25544,7 @@
         <p:spPr>
           <a:xfrm>
             <a:off x="388080" y="457920"/>
-            <a:ext cx="8361000" cy="684000"/>
+            <a:ext cx="8360640" cy="683640"/>
           </a:xfrm>
           <a:prstGeom prst="rect">
             <a:avLst/>
@@ -25519,7 +25590,7 @@
         <p:spPr>
           <a:xfrm>
             <a:off x="1005840" y="1828800"/>
-            <a:ext cx="7236360" cy="2924280"/>
+            <a:ext cx="7236000" cy="2923920"/>
           </a:xfrm>
           <a:prstGeom prst="rect">
             <a:avLst/>
@@ -25580,14 +25651,14 @@
       </p:grpSpPr>
       <p:sp>
         <p:nvSpPr>
-          <p:cNvPr id="493" name="CustomShape 1"/>
+          <p:cNvPr id="494" name="CustomShape 1"/>
           <p:cNvSpPr/>
           <p:nvPr/>
         </p:nvSpPr>
         <p:spPr>
           <a:xfrm>
             <a:off x="388080" y="457920"/>
-            <a:ext cx="8361000" cy="683280"/>
+            <a:ext cx="8360640" cy="682920"/>
           </a:xfrm>
           <a:prstGeom prst="rect">
             <a:avLst/>
@@ -25621,14 +25692,14 @@
       </p:sp>
       <p:sp>
         <p:nvSpPr>
-          <p:cNvPr id="494" name="CustomShape 2"/>
+          <p:cNvPr id="495" name="CustomShape 2"/>
           <p:cNvSpPr/>
           <p:nvPr/>
         </p:nvSpPr>
         <p:spPr>
           <a:xfrm>
             <a:off x="548640" y="1647000"/>
-            <a:ext cx="8227080" cy="1916640"/>
+            <a:ext cx="8226720" cy="1916280"/>
           </a:xfrm>
           <a:prstGeom prst="rect">
             <a:avLst/>
@@ -25708,14 +25779,14 @@
       </p:grpSpPr>
       <p:sp>
         <p:nvSpPr>
-          <p:cNvPr id="495" name="CustomShape 1"/>
+          <p:cNvPr id="496" name="CustomShape 1"/>
           <p:cNvSpPr/>
           <p:nvPr/>
         </p:nvSpPr>
         <p:spPr>
           <a:xfrm>
             <a:off x="441000" y="1955160"/>
-            <a:ext cx="8575200" cy="2408040"/>
+            <a:ext cx="8574840" cy="2407680"/>
           </a:xfrm>
           <a:prstGeom prst="rect">
             <a:avLst/>
@@ -25805,7 +25876,7 @@
         <p:spPr>
           <a:xfrm>
             <a:off x="424800" y="597600"/>
-            <a:ext cx="8361000" cy="678960"/>
+            <a:ext cx="8360640" cy="678600"/>
           </a:xfrm>
           <a:prstGeom prst="rect">
             <a:avLst/>
@@ -25825,7 +25896,7 @@
         <p:spPr>
           <a:xfrm>
             <a:off x="343800" y="1651320"/>
-            <a:ext cx="3992760" cy="3071880"/>
+            <a:ext cx="3992400" cy="3071520"/>
           </a:xfrm>
           <a:prstGeom prst="rect">
             <a:avLst/>
@@ -25845,7 +25916,7 @@
         <p:spPr>
           <a:xfrm>
             <a:off x="4285800" y="2001960"/>
-            <a:ext cx="4439520" cy="3071880"/>
+            <a:ext cx="4439160" cy="3071520"/>
           </a:xfrm>
           <a:prstGeom prst="rect">
             <a:avLst/>
@@ -25865,7 +25936,7 @@
         <p:spPr>
           <a:xfrm>
             <a:off x="1308600" y="1437120"/>
-            <a:ext cx="6321600" cy="404280"/>
+            <a:ext cx="6321240" cy="403920"/>
           </a:xfrm>
           <a:prstGeom prst="rect">
             <a:avLst/>
@@ -25885,7 +25956,7 @@
         <p:spPr>
           <a:xfrm>
             <a:off x="388080" y="457920"/>
-            <a:ext cx="8361000" cy="684000"/>
+            <a:ext cx="8360640" cy="683640"/>
           </a:xfrm>
           <a:prstGeom prst="rect">
             <a:avLst/>
@@ -25926,7 +25997,7 @@
         <p:spPr>
           <a:xfrm>
             <a:off x="457200" y="1645920"/>
-            <a:ext cx="8228160" cy="2981880"/>
+            <a:ext cx="8227800" cy="2981520"/>
           </a:xfrm>
           <a:prstGeom prst="rect">
             <a:avLst/>
@@ -26130,7 +26201,7 @@
         <p:spPr>
           <a:xfrm>
             <a:off x="424800" y="597600"/>
-            <a:ext cx="8361000" cy="678960"/>
+            <a:ext cx="8360640" cy="678600"/>
           </a:xfrm>
           <a:prstGeom prst="rect">
             <a:avLst/>
@@ -26150,7 +26221,7 @@
         <p:spPr>
           <a:xfrm>
             <a:off x="343800" y="1651320"/>
-            <a:ext cx="3992760" cy="3071880"/>
+            <a:ext cx="3992400" cy="3071520"/>
           </a:xfrm>
           <a:prstGeom prst="rect">
             <a:avLst/>
@@ -26170,7 +26241,7 @@
         <p:spPr>
           <a:xfrm>
             <a:off x="4285800" y="2001960"/>
-            <a:ext cx="4439520" cy="3071880"/>
+            <a:ext cx="4439160" cy="3071520"/>
           </a:xfrm>
           <a:prstGeom prst="rect">
             <a:avLst/>
@@ -26190,7 +26261,7 @@
         <p:spPr>
           <a:xfrm>
             <a:off x="1308600" y="1437120"/>
-            <a:ext cx="6321600" cy="404280"/>
+            <a:ext cx="6321240" cy="403920"/>
           </a:xfrm>
           <a:prstGeom prst="rect">
             <a:avLst/>
@@ -26210,7 +26281,7 @@
         <p:spPr>
           <a:xfrm>
             <a:off x="388080" y="457920"/>
-            <a:ext cx="8361000" cy="684000"/>
+            <a:ext cx="8360640" cy="683640"/>
           </a:xfrm>
           <a:prstGeom prst="rect">
             <a:avLst/>
@@ -26251,7 +26322,7 @@
         <p:spPr>
           <a:xfrm>
             <a:off x="457200" y="1645920"/>
-            <a:ext cx="8228160" cy="3029760"/>
+            <a:ext cx="8227800" cy="3029400"/>
           </a:xfrm>
           <a:prstGeom prst="rect">
             <a:avLst/>
@@ -26797,7 +26868,7 @@
         <p:spPr>
           <a:xfrm>
             <a:off x="424800" y="597600"/>
-            <a:ext cx="8361000" cy="678960"/>
+            <a:ext cx="8360640" cy="678600"/>
           </a:xfrm>
           <a:prstGeom prst="rect">
             <a:avLst/>
@@ -26817,7 +26888,7 @@
         <p:spPr>
           <a:xfrm>
             <a:off x="343800" y="1651320"/>
-            <a:ext cx="3992760" cy="3071880"/>
+            <a:ext cx="3992400" cy="3071520"/>
           </a:xfrm>
           <a:prstGeom prst="rect">
             <a:avLst/>
@@ -26837,7 +26908,7 @@
         <p:spPr>
           <a:xfrm>
             <a:off x="4285800" y="2001960"/>
-            <a:ext cx="4439520" cy="3071880"/>
+            <a:ext cx="4439160" cy="3071520"/>
           </a:xfrm>
           <a:prstGeom prst="rect">
             <a:avLst/>
@@ -26857,7 +26928,7 @@
         <p:spPr>
           <a:xfrm>
             <a:off x="1308600" y="1437120"/>
-            <a:ext cx="6321600" cy="404280"/>
+            <a:ext cx="6321240" cy="403920"/>
           </a:xfrm>
           <a:prstGeom prst="rect">
             <a:avLst/>
@@ -26877,7 +26948,7 @@
         <p:spPr>
           <a:xfrm>
             <a:off x="388080" y="457920"/>
-            <a:ext cx="8361000" cy="684000"/>
+            <a:ext cx="8360640" cy="683640"/>
           </a:xfrm>
           <a:prstGeom prst="rect">
             <a:avLst/>
@@ -26924,7 +26995,7 @@
         <p:spPr>
           <a:xfrm>
             <a:off x="1005840" y="1371600"/>
-            <a:ext cx="6921360" cy="3558600"/>
+            <a:ext cx="6921000" cy="3558240"/>
           </a:xfrm>
           <a:prstGeom prst="rect">
             <a:avLst/>
@@ -26943,7 +27014,7 @@
         <p:spPr>
           <a:xfrm>
             <a:off x="4297680" y="1554480"/>
-            <a:ext cx="3008520" cy="688680"/>
+            <a:ext cx="3008160" cy="688320"/>
           </a:xfrm>
           <a:prstGeom prst="rect">
             <a:avLst/>
@@ -26978,7 +27049,7 @@
         <p:spPr>
           <a:xfrm>
             <a:off x="4297680" y="2602080"/>
-            <a:ext cx="3008520" cy="1887480"/>
+            <a:ext cx="3008160" cy="1887120"/>
           </a:xfrm>
           <a:prstGeom prst="rect">
             <a:avLst/>
@@ -27062,7 +27133,7 @@
         <p:spPr>
           <a:xfrm>
             <a:off x="424800" y="597600"/>
-            <a:ext cx="8361000" cy="678960"/>
+            <a:ext cx="8360640" cy="678600"/>
           </a:xfrm>
           <a:prstGeom prst="rect">
             <a:avLst/>
@@ -27082,7 +27153,7 @@
         <p:spPr>
           <a:xfrm>
             <a:off x="343800" y="1651320"/>
-            <a:ext cx="3992760" cy="3071880"/>
+            <a:ext cx="3992400" cy="3071520"/>
           </a:xfrm>
           <a:prstGeom prst="rect">
             <a:avLst/>
@@ -27102,7 +27173,7 @@
         <p:spPr>
           <a:xfrm>
             <a:off x="4285800" y="2001960"/>
-            <a:ext cx="4439520" cy="3071880"/>
+            <a:ext cx="4439160" cy="3071520"/>
           </a:xfrm>
           <a:prstGeom prst="rect">
             <a:avLst/>
@@ -27122,7 +27193,7 @@
         <p:spPr>
           <a:xfrm>
             <a:off x="1308600" y="1437120"/>
-            <a:ext cx="6321600" cy="404280"/>
+            <a:ext cx="6321240" cy="403920"/>
           </a:xfrm>
           <a:prstGeom prst="rect">
             <a:avLst/>
@@ -27142,7 +27213,7 @@
         <p:spPr>
           <a:xfrm>
             <a:off x="388080" y="457920"/>
-            <a:ext cx="8361000" cy="684000"/>
+            <a:ext cx="8360640" cy="683640"/>
           </a:xfrm>
           <a:prstGeom prst="rect">
             <a:avLst/>
@@ -27183,7 +27254,7 @@
         <p:spPr>
           <a:xfrm>
             <a:off x="457200" y="1531440"/>
-            <a:ext cx="8228160" cy="3496680"/>
+            <a:ext cx="8227800" cy="3496320"/>
           </a:xfrm>
           <a:prstGeom prst="rect">
             <a:avLst/>
@@ -27872,7 +27943,7 @@
         <p:spPr>
           <a:xfrm>
             <a:off x="424800" y="597600"/>
-            <a:ext cx="8361000" cy="678960"/>
+            <a:ext cx="8360640" cy="678600"/>
           </a:xfrm>
           <a:prstGeom prst="rect">
             <a:avLst/>
@@ -27892,7 +27963,7 @@
         <p:spPr>
           <a:xfrm>
             <a:off x="343800" y="1651320"/>
-            <a:ext cx="3992760" cy="3071880"/>
+            <a:ext cx="3992400" cy="3071520"/>
           </a:xfrm>
           <a:prstGeom prst="rect">
             <a:avLst/>
@@ -27912,7 +27983,7 @@
         <p:spPr>
           <a:xfrm>
             <a:off x="4285800" y="2001960"/>
-            <a:ext cx="4439520" cy="3071880"/>
+            <a:ext cx="4439160" cy="3071520"/>
           </a:xfrm>
           <a:prstGeom prst="rect">
             <a:avLst/>
@@ -27932,7 +28003,7 @@
         <p:spPr>
           <a:xfrm>
             <a:off x="1308600" y="1437120"/>
-            <a:ext cx="6321600" cy="404280"/>
+            <a:ext cx="6321240" cy="403920"/>
           </a:xfrm>
           <a:prstGeom prst="rect">
             <a:avLst/>
@@ -27952,7 +28023,7 @@
         <p:spPr>
           <a:xfrm>
             <a:off x="388080" y="457920"/>
-            <a:ext cx="8361000" cy="684000"/>
+            <a:ext cx="8360640" cy="683640"/>
           </a:xfrm>
           <a:prstGeom prst="rect">
             <a:avLst/>
@@ -27998,7 +28069,7 @@
         <p:spPr>
           <a:xfrm>
             <a:off x="365760" y="1394640"/>
-            <a:ext cx="2764800" cy="3633480"/>
+            <a:ext cx="2764440" cy="3633120"/>
           </a:xfrm>
           <a:prstGeom prst="rect">
             <a:avLst/>
@@ -28017,7 +28088,7 @@
         <p:spPr>
           <a:xfrm>
             <a:off x="4846320" y="1596240"/>
-            <a:ext cx="2402640" cy="688680"/>
+            <a:ext cx="2402280" cy="688320"/>
           </a:xfrm>
           <a:prstGeom prst="rect">
             <a:avLst/>
@@ -28052,7 +28123,7 @@
         <p:spPr>
           <a:xfrm>
             <a:off x="4846320" y="2651760"/>
-            <a:ext cx="3008520" cy="1887480"/>
+            <a:ext cx="3008160" cy="1887120"/>
           </a:xfrm>
           <a:prstGeom prst="rect">
             <a:avLst/>
